--- a/asp-net-mvc.pptx
+++ b/asp-net-mvc.pptx
@@ -217,7 +217,7 @@
           <a:p>
             <a:fld id="{B24A7054-7FFB-49F4-A126-5DF6E687FF53}" type="datetimeFigureOut">
               <a:rPr lang="ru-RU" smtClean="0"/>
-              <a:t>14.02.2019</a:t>
+              <a:t>26.02.2019</a:t>
             </a:fld>
             <a:endParaRPr lang="ru-RU"/>
           </a:p>
@@ -486,8 +486,8 @@
 </file>
 
 <file path=ppt/slideLayouts/slideLayout1.xml><?xml version="1.0" encoding="utf-8"?>
-<p:sldLayout xmlns:a="http://schemas.openxmlformats.org/drawingml/2006/main" xmlns:r="http://schemas.openxmlformats.org/officeDocument/2006/relationships" xmlns:p="http://schemas.openxmlformats.org/presentationml/2006/main" preserve="1" userDrawn="1">
-  <p:cSld name="Title Slide">
+<p:sldLayout xmlns:a="http://schemas.openxmlformats.org/drawingml/2006/main" xmlns:r="http://schemas.openxmlformats.org/officeDocument/2006/relationships" xmlns:p="http://schemas.openxmlformats.org/presentationml/2006/main" type="obj" preserve="1">
+  <p:cSld name="Title and Content">
     <p:spTree>
       <p:nvGrpSpPr>
         <p:cNvPr id="1" name=""/>
@@ -504,172 +504,83 @@
       </p:grpSpPr>
       <p:sp>
         <p:nvSpPr>
-          <p:cNvPr id="7" name="Rectangle 6"/>
-          <p:cNvSpPr/>
-          <p:nvPr userDrawn="1"/>
-        </p:nvSpPr>
-        <p:spPr>
-          <a:xfrm>
-            <a:off x="143508" y="1304764"/>
-            <a:ext cx="8856984" cy="646331"/>
-          </a:xfrm>
-          <a:prstGeom prst="rect">
-            <a:avLst/>
-          </a:prstGeom>
-        </p:spPr>
-        <p:txBody>
-          <a:bodyPr wrap="square">
-            <a:spAutoFit/>
-          </a:bodyPr>
+          <p:cNvPr id="2" name="Title 1"/>
+          <p:cNvSpPr>
+            <a:spLocks noGrp="1"/>
+          </p:cNvSpPr>
+          <p:nvPr>
+            <p:ph type="title"/>
+          </p:nvPr>
+        </p:nvSpPr>
+        <p:spPr/>
+        <p:txBody>
+          <a:bodyPr/>
           <a:lstStyle/>
           <a:p>
-            <a:pPr algn="ctr"/>
-            <a:r>
-              <a:rPr lang="ru-RU" sz="3600" b="1" i="1" dirty="0">
-                <a:solidFill>
-                  <a:schemeClr val="bg1"/>
-                </a:solidFill>
-              </a:rPr>
-              <a:t>Основы программирования на </a:t>
-            </a:r>
-            <a:r>
-              <a:rPr lang="en-US" sz="3600" b="1" i="1" dirty="0">
-                <a:solidFill>
-                  <a:schemeClr val="bg1"/>
-                </a:solidFill>
-              </a:rPr>
-              <a:t>C#</a:t>
-            </a:r>
-            <a:endParaRPr lang="ru-RU" sz="3600" b="1" i="1" dirty="0">
-              <a:solidFill>
-                <a:schemeClr val="bg1"/>
-              </a:solidFill>
-            </a:endParaRPr>
-          </a:p>
-        </p:txBody>
-      </p:sp>
-      <p:pic>
-        <p:nvPicPr>
-          <p:cNvPr id="8" name="Picture 5"/>
-          <p:cNvPicPr>
-            <a:picLocks noChangeAspect="1" noChangeArrowheads="1"/>
-          </p:cNvPicPr>
-          <p:nvPr userDrawn="1"/>
-        </p:nvPicPr>
-        <p:blipFill>
-          <a:blip r:embed="rId2">
-            <a:extLst>
-              <a:ext uri="{28A0092B-C50C-407E-A947-70E740481C1C}">
-                <a14:useLocalDpi xmlns:a14="http://schemas.microsoft.com/office/drawing/2010/main" val="0"/>
-              </a:ext>
-            </a:extLst>
-          </a:blip>
-          <a:srcRect/>
-          <a:stretch>
-            <a:fillRect/>
-          </a:stretch>
-        </p:blipFill>
-        <p:spPr bwMode="auto">
-          <a:xfrm>
-            <a:off x="1638300" y="3829211"/>
-            <a:ext cx="5867400" cy="1724025"/>
-          </a:xfrm>
-          <a:prstGeom prst="rect">
-            <a:avLst/>
-          </a:prstGeom>
-          <a:noFill/>
-          <a:ln>
-            <a:noFill/>
-          </a:ln>
-          <a:effectLst/>
-          <a:extLst>
-            <a:ext uri="{909E8E84-426E-40DD-AFC4-6F175D3DCCD1}">
-              <a14:hiddenFill xmlns:a14="http://schemas.microsoft.com/office/drawing/2010/main">
-                <a:solidFill>
-                  <a:schemeClr val="accent1"/>
-                </a:solidFill>
-              </a14:hiddenFill>
-            </a:ext>
-            <a:ext uri="{91240B29-F687-4F45-9708-019B960494DF}">
-              <a14:hiddenLine xmlns:a14="http://schemas.microsoft.com/office/drawing/2010/main" w="9525">
-                <a:solidFill>
-                  <a:schemeClr val="tx1"/>
-                </a:solidFill>
-                <a:miter lim="800000"/>
-                <a:headEnd/>
-                <a:tailEnd/>
-              </a14:hiddenLine>
-            </a:ext>
-            <a:ext uri="{AF507438-7753-43E0-B8FC-AC1667EBCBE1}">
-              <a14:hiddenEffects xmlns:a14="http://schemas.microsoft.com/office/drawing/2010/main">
-                <a:effectLst>
-                  <a:outerShdw dist="35921" dir="2700000" algn="ctr" rotWithShape="0">
-                    <a:schemeClr val="bg2"/>
-                  </a:outerShdw>
-                </a:effectLst>
-              </a14:hiddenEffects>
-            </a:ext>
-          </a:extLst>
-        </p:spPr>
-      </p:pic>
-      <p:sp>
-        <p:nvSpPr>
-          <p:cNvPr id="9" name="TextBox 8"/>
-          <p:cNvSpPr txBox="1"/>
-          <p:nvPr userDrawn="1"/>
-        </p:nvSpPr>
-        <p:spPr>
-          <a:xfrm>
-            <a:off x="2774873" y="2528900"/>
-            <a:ext cx="4240263" cy="461665"/>
-          </a:xfrm>
-          <a:prstGeom prst="rect">
-            <a:avLst/>
-          </a:prstGeom>
-          <a:noFill/>
-        </p:spPr>
-        <p:txBody>
-          <a:bodyPr wrap="none" rtlCol="0">
-            <a:spAutoFit/>
-          </a:bodyPr>
+            <a:r>
+              <a:rPr lang="en-US"/>
+              <a:t>Click to edit Master title style</a:t>
+            </a:r>
+            <a:endParaRPr lang="ru-RU" dirty="0"/>
+          </a:p>
+        </p:txBody>
+      </p:sp>
+      <p:sp>
+        <p:nvSpPr>
+          <p:cNvPr id="3" name="Content Placeholder 2"/>
+          <p:cNvSpPr>
+            <a:spLocks noGrp="1"/>
+          </p:cNvSpPr>
+          <p:nvPr>
+            <p:ph idx="1"/>
+          </p:nvPr>
+        </p:nvSpPr>
+        <p:spPr/>
+        <p:txBody>
+          <a:bodyPr/>
           <a:lstStyle/>
           <a:p>
-            <a:r>
-              <a:rPr lang="ru-RU" sz="2400" dirty="0">
-                <a:solidFill>
-                  <a:schemeClr val="bg1"/>
-                </a:solidFill>
-              </a:rPr>
-              <a:t>Занятие №</a:t>
-            </a:r>
-            <a:r>
-              <a:rPr lang="en-US" sz="2400" dirty="0">
-                <a:solidFill>
-                  <a:schemeClr val="bg1"/>
-                </a:solidFill>
-              </a:rPr>
-              <a:t>1</a:t>
-            </a:r>
-            <a:r>
-              <a:rPr lang="ru-RU" sz="2400" dirty="0">
-                <a:solidFill>
-                  <a:schemeClr val="bg1"/>
-                </a:solidFill>
-              </a:rPr>
-              <a:t>. Название занятия</a:t>
-            </a:r>
-            <a:endParaRPr lang="en-US" sz="2400" dirty="0">
-              <a:solidFill>
-                <a:schemeClr val="bg1"/>
-              </a:solidFill>
-            </a:endParaRPr>
+            <a:pPr lvl="0"/>
+            <a:r>
+              <a:rPr lang="en-US"/>
+              <a:t>Click to edit Master text styles</a:t>
+            </a:r>
+          </a:p>
+          <a:p>
+            <a:pPr lvl="1"/>
+            <a:r>
+              <a:rPr lang="en-US"/>
+              <a:t>Second level</a:t>
+            </a:r>
+          </a:p>
+          <a:p>
+            <a:pPr lvl="2"/>
+            <a:r>
+              <a:rPr lang="en-US"/>
+              <a:t>Third level</a:t>
+            </a:r>
+          </a:p>
+          <a:p>
+            <a:pPr lvl="3"/>
+            <a:r>
+              <a:rPr lang="en-US"/>
+              <a:t>Fourth level</a:t>
+            </a:r>
+          </a:p>
+          <a:p>
+            <a:pPr lvl="4"/>
+            <a:r>
+              <a:rPr lang="en-US"/>
+              <a:t>Fifth level</a:t>
+            </a:r>
+            <a:endParaRPr lang="ru-RU" dirty="0"/>
           </a:p>
         </p:txBody>
       </p:sp>
     </p:spTree>
     <p:extLst>
       <p:ext uri="{BB962C8B-B14F-4D97-AF65-F5344CB8AC3E}">
-        <p14:creationId xmlns:p14="http://schemas.microsoft.com/office/powerpoint/2010/main" val="2062725571"/>
+        <p14:creationId xmlns:p14="http://schemas.microsoft.com/office/powerpoint/2010/main" val="3363467697"/>
       </p:ext>
     </p:extLst>
   </p:cSld>
@@ -680,6 +591,1207 @@
 </file>
 
 <file path=ppt/slideLayouts/slideLayout10.xml><?xml version="1.0" encoding="utf-8"?>
+<p:sldLayout xmlns:a="http://schemas.openxmlformats.org/drawingml/2006/main" xmlns:r="http://schemas.openxmlformats.org/officeDocument/2006/relationships" xmlns:p="http://schemas.openxmlformats.org/presentationml/2006/main" type="vertTitleAndTx" preserve="1">
+  <p:cSld name="Vertical Title and Text">
+    <p:spTree>
+      <p:nvGrpSpPr>
+        <p:cNvPr id="1" name=""/>
+        <p:cNvGrpSpPr/>
+        <p:nvPr/>
+      </p:nvGrpSpPr>
+      <p:grpSpPr>
+        <a:xfrm>
+          <a:off x="0" y="0"/>
+          <a:ext cx="0" cy="0"/>
+          <a:chOff x="0" y="0"/>
+          <a:chExt cx="0" cy="0"/>
+        </a:xfrm>
+      </p:grpSpPr>
+      <p:sp>
+        <p:nvSpPr>
+          <p:cNvPr id="2" name="Vertical Title 1"/>
+          <p:cNvSpPr>
+            <a:spLocks noGrp="1"/>
+          </p:cNvSpPr>
+          <p:nvPr>
+            <p:ph type="title" orient="vert"/>
+          </p:nvPr>
+        </p:nvSpPr>
+        <p:spPr>
+          <a:xfrm>
+            <a:off x="6629400" y="274638"/>
+            <a:ext cx="2057400" cy="5851525"/>
+          </a:xfrm>
+        </p:spPr>
+        <p:txBody>
+          <a:bodyPr vert="eaVert"/>
+          <a:lstStyle/>
+          <a:p>
+            <a:r>
+              <a:rPr lang="en-US"/>
+              <a:t>Click to edit Master title style</a:t>
+            </a:r>
+            <a:endParaRPr lang="ru-RU" dirty="0"/>
+          </a:p>
+        </p:txBody>
+      </p:sp>
+      <p:sp>
+        <p:nvSpPr>
+          <p:cNvPr id="3" name="Vertical Text Placeholder 2"/>
+          <p:cNvSpPr>
+            <a:spLocks noGrp="1"/>
+          </p:cNvSpPr>
+          <p:nvPr>
+            <p:ph type="body" orient="vert" idx="1"/>
+          </p:nvPr>
+        </p:nvSpPr>
+        <p:spPr>
+          <a:xfrm>
+            <a:off x="457200" y="274638"/>
+            <a:ext cx="6019800" cy="5851525"/>
+          </a:xfrm>
+        </p:spPr>
+        <p:txBody>
+          <a:bodyPr vert="eaVert"/>
+          <a:lstStyle/>
+          <a:p>
+            <a:pPr lvl="0"/>
+            <a:r>
+              <a:rPr lang="en-US"/>
+              <a:t>Click to edit Master text styles</a:t>
+            </a:r>
+          </a:p>
+          <a:p>
+            <a:pPr lvl="1"/>
+            <a:r>
+              <a:rPr lang="en-US"/>
+              <a:t>Second level</a:t>
+            </a:r>
+          </a:p>
+          <a:p>
+            <a:pPr lvl="2"/>
+            <a:r>
+              <a:rPr lang="en-US"/>
+              <a:t>Third level</a:t>
+            </a:r>
+          </a:p>
+          <a:p>
+            <a:pPr lvl="3"/>
+            <a:r>
+              <a:rPr lang="en-US"/>
+              <a:t>Fourth level</a:t>
+            </a:r>
+          </a:p>
+          <a:p>
+            <a:pPr lvl="4"/>
+            <a:r>
+              <a:rPr lang="en-US"/>
+              <a:t>Fifth level</a:t>
+            </a:r>
+            <a:endParaRPr lang="ru-RU" dirty="0"/>
+          </a:p>
+        </p:txBody>
+      </p:sp>
+    </p:spTree>
+    <p:extLst>
+      <p:ext uri="{BB962C8B-B14F-4D97-AF65-F5344CB8AC3E}">
+        <p14:creationId xmlns:p14="http://schemas.microsoft.com/office/powerpoint/2010/main" val="370514854"/>
+      </p:ext>
+    </p:extLst>
+  </p:cSld>
+  <p:clrMapOvr>
+    <a:masterClrMapping/>
+  </p:clrMapOvr>
+</p:sldLayout>
+</file>
+
+<file path=ppt/slideLayouts/slideLayout11.xml><?xml version="1.0" encoding="utf-8"?>
+<p:sldLayout xmlns:a="http://schemas.openxmlformats.org/drawingml/2006/main" xmlns:r="http://schemas.openxmlformats.org/officeDocument/2006/relationships" xmlns:p="http://schemas.openxmlformats.org/presentationml/2006/main" type="title">
+  <p:cSld name="2_Title Slide">
+    <p:spTree>
+      <p:nvGrpSpPr>
+        <p:cNvPr id="1" name=""/>
+        <p:cNvGrpSpPr/>
+        <p:nvPr/>
+      </p:nvGrpSpPr>
+      <p:grpSpPr>
+        <a:xfrm>
+          <a:off x="0" y="0"/>
+          <a:ext cx="0" cy="0"/>
+          <a:chOff x="0" y="0"/>
+          <a:chExt cx="0" cy="0"/>
+        </a:xfrm>
+      </p:grpSpPr>
+      <p:sp>
+        <p:nvSpPr>
+          <p:cNvPr id="2" name="Title 1"/>
+          <p:cNvSpPr>
+            <a:spLocks noGrp="1"/>
+          </p:cNvSpPr>
+          <p:nvPr>
+            <p:ph type="ctrTitle"/>
+          </p:nvPr>
+        </p:nvSpPr>
+        <p:spPr>
+          <a:xfrm>
+            <a:off x="685800" y="2130425"/>
+            <a:ext cx="7772400" cy="1470025"/>
+          </a:xfrm>
+        </p:spPr>
+        <p:txBody>
+          <a:bodyPr/>
+          <a:lstStyle/>
+          <a:p>
+            <a:r>
+              <a:rPr lang="en-US"/>
+              <a:t>Click to edit Master title style</a:t>
+            </a:r>
+            <a:endParaRPr lang="ru-RU"/>
+          </a:p>
+        </p:txBody>
+      </p:sp>
+      <p:sp>
+        <p:nvSpPr>
+          <p:cNvPr id="3" name="Subtitle 2"/>
+          <p:cNvSpPr>
+            <a:spLocks noGrp="1"/>
+          </p:cNvSpPr>
+          <p:nvPr>
+            <p:ph type="subTitle" idx="1"/>
+          </p:nvPr>
+        </p:nvSpPr>
+        <p:spPr>
+          <a:xfrm>
+            <a:off x="1371600" y="3886200"/>
+            <a:ext cx="6400800" cy="1752600"/>
+          </a:xfrm>
+        </p:spPr>
+        <p:txBody>
+          <a:bodyPr/>
+          <a:lstStyle>
+            <a:lvl1pPr marL="0" indent="0" algn="ctr">
+              <a:buNone/>
+              <a:defRPr>
+                <a:solidFill>
+                  <a:schemeClr val="tx1">
+                    <a:tint val="75000"/>
+                  </a:schemeClr>
+                </a:solidFill>
+              </a:defRPr>
+            </a:lvl1pPr>
+            <a:lvl2pPr marL="457200" indent="0" algn="ctr">
+              <a:buNone/>
+              <a:defRPr>
+                <a:solidFill>
+                  <a:schemeClr val="tx1">
+                    <a:tint val="75000"/>
+                  </a:schemeClr>
+                </a:solidFill>
+              </a:defRPr>
+            </a:lvl2pPr>
+            <a:lvl3pPr marL="914400" indent="0" algn="ctr">
+              <a:buNone/>
+              <a:defRPr>
+                <a:solidFill>
+                  <a:schemeClr val="tx1">
+                    <a:tint val="75000"/>
+                  </a:schemeClr>
+                </a:solidFill>
+              </a:defRPr>
+            </a:lvl3pPr>
+            <a:lvl4pPr marL="1371600" indent="0" algn="ctr">
+              <a:buNone/>
+              <a:defRPr>
+                <a:solidFill>
+                  <a:schemeClr val="tx1">
+                    <a:tint val="75000"/>
+                  </a:schemeClr>
+                </a:solidFill>
+              </a:defRPr>
+            </a:lvl4pPr>
+            <a:lvl5pPr marL="1828800" indent="0" algn="ctr">
+              <a:buNone/>
+              <a:defRPr>
+                <a:solidFill>
+                  <a:schemeClr val="tx1">
+                    <a:tint val="75000"/>
+                  </a:schemeClr>
+                </a:solidFill>
+              </a:defRPr>
+            </a:lvl5pPr>
+            <a:lvl6pPr marL="2286000" indent="0" algn="ctr">
+              <a:buNone/>
+              <a:defRPr>
+                <a:solidFill>
+                  <a:schemeClr val="tx1">
+                    <a:tint val="75000"/>
+                  </a:schemeClr>
+                </a:solidFill>
+              </a:defRPr>
+            </a:lvl6pPr>
+            <a:lvl7pPr marL="2743200" indent="0" algn="ctr">
+              <a:buNone/>
+              <a:defRPr>
+                <a:solidFill>
+                  <a:schemeClr val="tx1">
+                    <a:tint val="75000"/>
+                  </a:schemeClr>
+                </a:solidFill>
+              </a:defRPr>
+            </a:lvl7pPr>
+            <a:lvl8pPr marL="3200400" indent="0" algn="ctr">
+              <a:buNone/>
+              <a:defRPr>
+                <a:solidFill>
+                  <a:schemeClr val="tx1">
+                    <a:tint val="75000"/>
+                  </a:schemeClr>
+                </a:solidFill>
+              </a:defRPr>
+            </a:lvl8pPr>
+            <a:lvl9pPr marL="3657600" indent="0" algn="ctr">
+              <a:buNone/>
+              <a:defRPr>
+                <a:solidFill>
+                  <a:schemeClr val="tx1">
+                    <a:tint val="75000"/>
+                  </a:schemeClr>
+                </a:solidFill>
+              </a:defRPr>
+            </a:lvl9pPr>
+          </a:lstStyle>
+          <a:p>
+            <a:r>
+              <a:rPr lang="en-US"/>
+              <a:t>Click to edit Master subtitle style</a:t>
+            </a:r>
+            <a:endParaRPr lang="ru-RU"/>
+          </a:p>
+        </p:txBody>
+      </p:sp>
+      <p:sp>
+        <p:nvSpPr>
+          <p:cNvPr id="4" name="Date Placeholder 3"/>
+          <p:cNvSpPr>
+            <a:spLocks noGrp="1"/>
+          </p:cNvSpPr>
+          <p:nvPr>
+            <p:ph type="dt" sz="half" idx="10"/>
+          </p:nvPr>
+        </p:nvSpPr>
+        <p:spPr/>
+        <p:txBody>
+          <a:bodyPr/>
+          <a:lstStyle/>
+          <a:p>
+            <a:fld id="{8E6E6A2A-E9D3-4A0D-B04A-ABDD367A1E08}" type="datetimeFigureOut">
+              <a:rPr lang="ru-RU" smtClean="0"/>
+              <a:t>26.02.2019</a:t>
+            </a:fld>
+            <a:endParaRPr lang="ru-RU"/>
+          </a:p>
+        </p:txBody>
+      </p:sp>
+      <p:sp>
+        <p:nvSpPr>
+          <p:cNvPr id="5" name="Footer Placeholder 4"/>
+          <p:cNvSpPr>
+            <a:spLocks noGrp="1"/>
+          </p:cNvSpPr>
+          <p:nvPr>
+            <p:ph type="ftr" sz="quarter" idx="11"/>
+          </p:nvPr>
+        </p:nvSpPr>
+        <p:spPr/>
+        <p:txBody>
+          <a:bodyPr/>
+          <a:lstStyle/>
+          <a:p>
+            <a:endParaRPr lang="ru-RU"/>
+          </a:p>
+        </p:txBody>
+      </p:sp>
+      <p:sp>
+        <p:nvSpPr>
+          <p:cNvPr id="6" name="Slide Number Placeholder 5"/>
+          <p:cNvSpPr>
+            <a:spLocks noGrp="1"/>
+          </p:cNvSpPr>
+          <p:nvPr>
+            <p:ph type="sldNum" sz="quarter" idx="12"/>
+          </p:nvPr>
+        </p:nvSpPr>
+        <p:spPr/>
+        <p:txBody>
+          <a:bodyPr/>
+          <a:lstStyle/>
+          <a:p>
+            <a:fld id="{BC0D3D34-2E8A-4A38-B864-C677BA056495}" type="slidenum">
+              <a:rPr lang="ru-RU" smtClean="0"/>
+              <a:t>‹#›</a:t>
+            </a:fld>
+            <a:endParaRPr lang="ru-RU"/>
+          </a:p>
+        </p:txBody>
+      </p:sp>
+    </p:spTree>
+    <p:extLst>
+      <p:ext uri="{BB962C8B-B14F-4D97-AF65-F5344CB8AC3E}">
+        <p14:creationId xmlns:p14="http://schemas.microsoft.com/office/powerpoint/2010/main" val="4222294974"/>
+      </p:ext>
+    </p:extLst>
+  </p:cSld>
+  <p:clrMapOvr>
+    <a:masterClrMapping/>
+  </p:clrMapOvr>
+</p:sldLayout>
+</file>
+
+<file path=ppt/slideLayouts/slideLayout2.xml><?xml version="1.0" encoding="utf-8"?>
+<p:sldLayout xmlns:a="http://schemas.openxmlformats.org/drawingml/2006/main" xmlns:r="http://schemas.openxmlformats.org/officeDocument/2006/relationships" xmlns:p="http://schemas.openxmlformats.org/presentationml/2006/main" type="secHead" preserve="1">
+  <p:cSld name="Section Header">
+    <p:spTree>
+      <p:nvGrpSpPr>
+        <p:cNvPr id="1" name=""/>
+        <p:cNvGrpSpPr/>
+        <p:nvPr/>
+      </p:nvGrpSpPr>
+      <p:grpSpPr>
+        <a:xfrm>
+          <a:off x="0" y="0"/>
+          <a:ext cx="0" cy="0"/>
+          <a:chOff x="0" y="0"/>
+          <a:chExt cx="0" cy="0"/>
+        </a:xfrm>
+      </p:grpSpPr>
+      <p:sp>
+        <p:nvSpPr>
+          <p:cNvPr id="2" name="Title 1"/>
+          <p:cNvSpPr>
+            <a:spLocks noGrp="1"/>
+          </p:cNvSpPr>
+          <p:nvPr>
+            <p:ph type="title"/>
+          </p:nvPr>
+        </p:nvSpPr>
+        <p:spPr>
+          <a:xfrm>
+            <a:off x="722313" y="4406900"/>
+            <a:ext cx="7772400" cy="1362075"/>
+          </a:xfrm>
+        </p:spPr>
+        <p:txBody>
+          <a:bodyPr anchor="t"/>
+          <a:lstStyle>
+            <a:lvl1pPr algn="l">
+              <a:defRPr sz="4000" b="1" cap="all"/>
+            </a:lvl1pPr>
+          </a:lstStyle>
+          <a:p>
+            <a:r>
+              <a:rPr lang="en-US"/>
+              <a:t>Click to edit Master title style</a:t>
+            </a:r>
+            <a:endParaRPr lang="ru-RU" dirty="0"/>
+          </a:p>
+        </p:txBody>
+      </p:sp>
+      <p:sp>
+        <p:nvSpPr>
+          <p:cNvPr id="3" name="Text Placeholder 2"/>
+          <p:cNvSpPr>
+            <a:spLocks noGrp="1"/>
+          </p:cNvSpPr>
+          <p:nvPr>
+            <p:ph type="body" idx="1"/>
+          </p:nvPr>
+        </p:nvSpPr>
+        <p:spPr>
+          <a:xfrm>
+            <a:off x="722313" y="2906713"/>
+            <a:ext cx="7772400" cy="1500187"/>
+          </a:xfrm>
+        </p:spPr>
+        <p:txBody>
+          <a:bodyPr anchor="b"/>
+          <a:lstStyle>
+            <a:lvl1pPr marL="0" indent="0">
+              <a:buNone/>
+              <a:defRPr sz="2000">
+                <a:solidFill>
+                  <a:schemeClr val="tx1">
+                    <a:tint val="75000"/>
+                  </a:schemeClr>
+                </a:solidFill>
+              </a:defRPr>
+            </a:lvl1pPr>
+            <a:lvl2pPr marL="457200" indent="0">
+              <a:buNone/>
+              <a:defRPr sz="1800">
+                <a:solidFill>
+                  <a:schemeClr val="tx1">
+                    <a:tint val="75000"/>
+                  </a:schemeClr>
+                </a:solidFill>
+              </a:defRPr>
+            </a:lvl2pPr>
+            <a:lvl3pPr marL="914400" indent="0">
+              <a:buNone/>
+              <a:defRPr sz="1600">
+                <a:solidFill>
+                  <a:schemeClr val="tx1">
+                    <a:tint val="75000"/>
+                  </a:schemeClr>
+                </a:solidFill>
+              </a:defRPr>
+            </a:lvl3pPr>
+            <a:lvl4pPr marL="1371600" indent="0">
+              <a:buNone/>
+              <a:defRPr sz="1400">
+                <a:solidFill>
+                  <a:schemeClr val="tx1">
+                    <a:tint val="75000"/>
+                  </a:schemeClr>
+                </a:solidFill>
+              </a:defRPr>
+            </a:lvl4pPr>
+            <a:lvl5pPr marL="1828800" indent="0">
+              <a:buNone/>
+              <a:defRPr sz="1400">
+                <a:solidFill>
+                  <a:schemeClr val="tx1">
+                    <a:tint val="75000"/>
+                  </a:schemeClr>
+                </a:solidFill>
+              </a:defRPr>
+            </a:lvl5pPr>
+            <a:lvl6pPr marL="2286000" indent="0">
+              <a:buNone/>
+              <a:defRPr sz="1400">
+                <a:solidFill>
+                  <a:schemeClr val="tx1">
+                    <a:tint val="75000"/>
+                  </a:schemeClr>
+                </a:solidFill>
+              </a:defRPr>
+            </a:lvl6pPr>
+            <a:lvl7pPr marL="2743200" indent="0">
+              <a:buNone/>
+              <a:defRPr sz="1400">
+                <a:solidFill>
+                  <a:schemeClr val="tx1">
+                    <a:tint val="75000"/>
+                  </a:schemeClr>
+                </a:solidFill>
+              </a:defRPr>
+            </a:lvl7pPr>
+            <a:lvl8pPr marL="3200400" indent="0">
+              <a:buNone/>
+              <a:defRPr sz="1400">
+                <a:solidFill>
+                  <a:schemeClr val="tx1">
+                    <a:tint val="75000"/>
+                  </a:schemeClr>
+                </a:solidFill>
+              </a:defRPr>
+            </a:lvl8pPr>
+            <a:lvl9pPr marL="3657600" indent="0">
+              <a:buNone/>
+              <a:defRPr sz="1400">
+                <a:solidFill>
+                  <a:schemeClr val="tx1">
+                    <a:tint val="75000"/>
+                  </a:schemeClr>
+                </a:solidFill>
+              </a:defRPr>
+            </a:lvl9pPr>
+          </a:lstStyle>
+          <a:p>
+            <a:pPr lvl="0"/>
+            <a:r>
+              <a:rPr lang="en-US"/>
+              <a:t>Click to edit Master text styles</a:t>
+            </a:r>
+          </a:p>
+        </p:txBody>
+      </p:sp>
+    </p:spTree>
+    <p:extLst>
+      <p:ext uri="{BB962C8B-B14F-4D97-AF65-F5344CB8AC3E}">
+        <p14:creationId xmlns:p14="http://schemas.microsoft.com/office/powerpoint/2010/main" val="1627150216"/>
+      </p:ext>
+    </p:extLst>
+  </p:cSld>
+  <p:clrMapOvr>
+    <a:masterClrMapping/>
+  </p:clrMapOvr>
+</p:sldLayout>
+</file>
+
+<file path=ppt/slideLayouts/slideLayout3.xml><?xml version="1.0" encoding="utf-8"?>
+<p:sldLayout xmlns:a="http://schemas.openxmlformats.org/drawingml/2006/main" xmlns:r="http://schemas.openxmlformats.org/officeDocument/2006/relationships" xmlns:p="http://schemas.openxmlformats.org/presentationml/2006/main" type="twoObj" preserve="1">
+  <p:cSld name="Two Content">
+    <p:spTree>
+      <p:nvGrpSpPr>
+        <p:cNvPr id="1" name=""/>
+        <p:cNvGrpSpPr/>
+        <p:nvPr/>
+      </p:nvGrpSpPr>
+      <p:grpSpPr>
+        <a:xfrm>
+          <a:off x="0" y="0"/>
+          <a:ext cx="0" cy="0"/>
+          <a:chOff x="0" y="0"/>
+          <a:chExt cx="0" cy="0"/>
+        </a:xfrm>
+      </p:grpSpPr>
+      <p:sp>
+        <p:nvSpPr>
+          <p:cNvPr id="2" name="Title 1"/>
+          <p:cNvSpPr>
+            <a:spLocks noGrp="1"/>
+          </p:cNvSpPr>
+          <p:nvPr>
+            <p:ph type="title"/>
+          </p:nvPr>
+        </p:nvSpPr>
+        <p:spPr/>
+        <p:txBody>
+          <a:bodyPr/>
+          <a:lstStyle/>
+          <a:p>
+            <a:r>
+              <a:rPr lang="en-US"/>
+              <a:t>Click to edit Master title style</a:t>
+            </a:r>
+            <a:endParaRPr lang="ru-RU" dirty="0"/>
+          </a:p>
+        </p:txBody>
+      </p:sp>
+      <p:sp>
+        <p:nvSpPr>
+          <p:cNvPr id="3" name="Content Placeholder 2"/>
+          <p:cNvSpPr>
+            <a:spLocks noGrp="1"/>
+          </p:cNvSpPr>
+          <p:nvPr>
+            <p:ph sz="half" idx="1"/>
+          </p:nvPr>
+        </p:nvSpPr>
+        <p:spPr>
+          <a:xfrm>
+            <a:off x="457200" y="1600200"/>
+            <a:ext cx="4038600" cy="4525963"/>
+          </a:xfrm>
+        </p:spPr>
+        <p:txBody>
+          <a:bodyPr/>
+          <a:lstStyle>
+            <a:lvl1pPr>
+              <a:defRPr sz="2800"/>
+            </a:lvl1pPr>
+            <a:lvl2pPr>
+              <a:defRPr sz="2400"/>
+            </a:lvl2pPr>
+            <a:lvl3pPr>
+              <a:defRPr sz="2000"/>
+            </a:lvl3pPr>
+            <a:lvl4pPr>
+              <a:defRPr sz="1800"/>
+            </a:lvl4pPr>
+            <a:lvl5pPr>
+              <a:defRPr sz="1800"/>
+            </a:lvl5pPr>
+            <a:lvl6pPr>
+              <a:defRPr sz="1800"/>
+            </a:lvl6pPr>
+            <a:lvl7pPr>
+              <a:defRPr sz="1800"/>
+            </a:lvl7pPr>
+            <a:lvl8pPr>
+              <a:defRPr sz="1800"/>
+            </a:lvl8pPr>
+            <a:lvl9pPr>
+              <a:defRPr sz="1800"/>
+            </a:lvl9pPr>
+          </a:lstStyle>
+          <a:p>
+            <a:pPr lvl="0"/>
+            <a:r>
+              <a:rPr lang="en-US"/>
+              <a:t>Click to edit Master text styles</a:t>
+            </a:r>
+          </a:p>
+          <a:p>
+            <a:pPr lvl="1"/>
+            <a:r>
+              <a:rPr lang="en-US"/>
+              <a:t>Second level</a:t>
+            </a:r>
+          </a:p>
+          <a:p>
+            <a:pPr lvl="2"/>
+            <a:r>
+              <a:rPr lang="en-US"/>
+              <a:t>Third level</a:t>
+            </a:r>
+          </a:p>
+          <a:p>
+            <a:pPr lvl="3"/>
+            <a:r>
+              <a:rPr lang="en-US"/>
+              <a:t>Fourth level</a:t>
+            </a:r>
+          </a:p>
+          <a:p>
+            <a:pPr lvl="4"/>
+            <a:r>
+              <a:rPr lang="en-US"/>
+              <a:t>Fifth level</a:t>
+            </a:r>
+            <a:endParaRPr lang="ru-RU" dirty="0"/>
+          </a:p>
+        </p:txBody>
+      </p:sp>
+      <p:sp>
+        <p:nvSpPr>
+          <p:cNvPr id="4" name="Content Placeholder 3"/>
+          <p:cNvSpPr>
+            <a:spLocks noGrp="1"/>
+          </p:cNvSpPr>
+          <p:nvPr>
+            <p:ph sz="half" idx="2"/>
+          </p:nvPr>
+        </p:nvSpPr>
+        <p:spPr>
+          <a:xfrm>
+            <a:off x="4648200" y="1600200"/>
+            <a:ext cx="4038600" cy="4525963"/>
+          </a:xfrm>
+        </p:spPr>
+        <p:txBody>
+          <a:bodyPr/>
+          <a:lstStyle>
+            <a:lvl1pPr>
+              <a:defRPr sz="2800"/>
+            </a:lvl1pPr>
+            <a:lvl2pPr>
+              <a:defRPr sz="2400"/>
+            </a:lvl2pPr>
+            <a:lvl3pPr>
+              <a:defRPr sz="2000"/>
+            </a:lvl3pPr>
+            <a:lvl4pPr>
+              <a:defRPr sz="1800"/>
+            </a:lvl4pPr>
+            <a:lvl5pPr>
+              <a:defRPr sz="1800"/>
+            </a:lvl5pPr>
+            <a:lvl6pPr>
+              <a:defRPr sz="1800"/>
+            </a:lvl6pPr>
+            <a:lvl7pPr>
+              <a:defRPr sz="1800"/>
+            </a:lvl7pPr>
+            <a:lvl8pPr>
+              <a:defRPr sz="1800"/>
+            </a:lvl8pPr>
+            <a:lvl9pPr>
+              <a:defRPr sz="1800"/>
+            </a:lvl9pPr>
+          </a:lstStyle>
+          <a:p>
+            <a:pPr lvl="0"/>
+            <a:r>
+              <a:rPr lang="en-US"/>
+              <a:t>Click to edit Master text styles</a:t>
+            </a:r>
+          </a:p>
+          <a:p>
+            <a:pPr lvl="1"/>
+            <a:r>
+              <a:rPr lang="en-US"/>
+              <a:t>Second level</a:t>
+            </a:r>
+          </a:p>
+          <a:p>
+            <a:pPr lvl="2"/>
+            <a:r>
+              <a:rPr lang="en-US"/>
+              <a:t>Third level</a:t>
+            </a:r>
+          </a:p>
+          <a:p>
+            <a:pPr lvl="3"/>
+            <a:r>
+              <a:rPr lang="en-US"/>
+              <a:t>Fourth level</a:t>
+            </a:r>
+          </a:p>
+          <a:p>
+            <a:pPr lvl="4"/>
+            <a:r>
+              <a:rPr lang="en-US"/>
+              <a:t>Fifth level</a:t>
+            </a:r>
+            <a:endParaRPr lang="ru-RU" dirty="0"/>
+          </a:p>
+        </p:txBody>
+      </p:sp>
+    </p:spTree>
+    <p:extLst>
+      <p:ext uri="{BB962C8B-B14F-4D97-AF65-F5344CB8AC3E}">
+        <p14:creationId xmlns:p14="http://schemas.microsoft.com/office/powerpoint/2010/main" val="1026234569"/>
+      </p:ext>
+    </p:extLst>
+  </p:cSld>
+  <p:clrMapOvr>
+    <a:masterClrMapping/>
+  </p:clrMapOvr>
+</p:sldLayout>
+</file>
+
+<file path=ppt/slideLayouts/slideLayout4.xml><?xml version="1.0" encoding="utf-8"?>
+<p:sldLayout xmlns:a="http://schemas.openxmlformats.org/drawingml/2006/main" xmlns:r="http://schemas.openxmlformats.org/officeDocument/2006/relationships" xmlns:p="http://schemas.openxmlformats.org/presentationml/2006/main" type="twoTxTwoObj" preserve="1">
+  <p:cSld name="Comparison">
+    <p:spTree>
+      <p:nvGrpSpPr>
+        <p:cNvPr id="1" name=""/>
+        <p:cNvGrpSpPr/>
+        <p:nvPr/>
+      </p:nvGrpSpPr>
+      <p:grpSpPr>
+        <a:xfrm>
+          <a:off x="0" y="0"/>
+          <a:ext cx="0" cy="0"/>
+          <a:chOff x="0" y="0"/>
+          <a:chExt cx="0" cy="0"/>
+        </a:xfrm>
+      </p:grpSpPr>
+      <p:sp>
+        <p:nvSpPr>
+          <p:cNvPr id="2" name="Title 1"/>
+          <p:cNvSpPr>
+            <a:spLocks noGrp="1"/>
+          </p:cNvSpPr>
+          <p:nvPr>
+            <p:ph type="title"/>
+          </p:nvPr>
+        </p:nvSpPr>
+        <p:spPr/>
+        <p:txBody>
+          <a:bodyPr/>
+          <a:lstStyle>
+            <a:lvl1pPr>
+              <a:defRPr/>
+            </a:lvl1pPr>
+          </a:lstStyle>
+          <a:p>
+            <a:r>
+              <a:rPr lang="en-US"/>
+              <a:t>Click to edit Master title style</a:t>
+            </a:r>
+            <a:endParaRPr lang="ru-RU" dirty="0"/>
+          </a:p>
+        </p:txBody>
+      </p:sp>
+      <p:sp>
+        <p:nvSpPr>
+          <p:cNvPr id="3" name="Text Placeholder 2"/>
+          <p:cNvSpPr>
+            <a:spLocks noGrp="1"/>
+          </p:cNvSpPr>
+          <p:nvPr>
+            <p:ph type="body" idx="1"/>
+          </p:nvPr>
+        </p:nvSpPr>
+        <p:spPr>
+          <a:xfrm>
+            <a:off x="457200" y="1535113"/>
+            <a:ext cx="4040188" cy="639762"/>
+          </a:xfrm>
+        </p:spPr>
+        <p:txBody>
+          <a:bodyPr anchor="b"/>
+          <a:lstStyle>
+            <a:lvl1pPr marL="0" indent="0">
+              <a:buNone/>
+              <a:defRPr sz="2400" b="1"/>
+            </a:lvl1pPr>
+            <a:lvl2pPr marL="457200" indent="0">
+              <a:buNone/>
+              <a:defRPr sz="2000" b="1"/>
+            </a:lvl2pPr>
+            <a:lvl3pPr marL="914400" indent="0">
+              <a:buNone/>
+              <a:defRPr sz="1800" b="1"/>
+            </a:lvl3pPr>
+            <a:lvl4pPr marL="1371600" indent="0">
+              <a:buNone/>
+              <a:defRPr sz="1600" b="1"/>
+            </a:lvl4pPr>
+            <a:lvl5pPr marL="1828800" indent="0">
+              <a:buNone/>
+              <a:defRPr sz="1600" b="1"/>
+            </a:lvl5pPr>
+            <a:lvl6pPr marL="2286000" indent="0">
+              <a:buNone/>
+              <a:defRPr sz="1600" b="1"/>
+            </a:lvl6pPr>
+            <a:lvl7pPr marL="2743200" indent="0">
+              <a:buNone/>
+              <a:defRPr sz="1600" b="1"/>
+            </a:lvl7pPr>
+            <a:lvl8pPr marL="3200400" indent="0">
+              <a:buNone/>
+              <a:defRPr sz="1600" b="1"/>
+            </a:lvl8pPr>
+            <a:lvl9pPr marL="3657600" indent="0">
+              <a:buNone/>
+              <a:defRPr sz="1600" b="1"/>
+            </a:lvl9pPr>
+          </a:lstStyle>
+          <a:p>
+            <a:pPr lvl="0"/>
+            <a:r>
+              <a:rPr lang="en-US"/>
+              <a:t>Click to edit Master text styles</a:t>
+            </a:r>
+          </a:p>
+        </p:txBody>
+      </p:sp>
+      <p:sp>
+        <p:nvSpPr>
+          <p:cNvPr id="4" name="Content Placeholder 3"/>
+          <p:cNvSpPr>
+            <a:spLocks noGrp="1"/>
+          </p:cNvSpPr>
+          <p:nvPr>
+            <p:ph sz="half" idx="2"/>
+          </p:nvPr>
+        </p:nvSpPr>
+        <p:spPr>
+          <a:xfrm>
+            <a:off x="457200" y="2174875"/>
+            <a:ext cx="4040188" cy="3951288"/>
+          </a:xfrm>
+        </p:spPr>
+        <p:txBody>
+          <a:bodyPr/>
+          <a:lstStyle>
+            <a:lvl1pPr>
+              <a:defRPr sz="2400"/>
+            </a:lvl1pPr>
+            <a:lvl2pPr>
+              <a:defRPr sz="2000"/>
+            </a:lvl2pPr>
+            <a:lvl3pPr>
+              <a:defRPr sz="1800"/>
+            </a:lvl3pPr>
+            <a:lvl4pPr>
+              <a:defRPr sz="1600"/>
+            </a:lvl4pPr>
+            <a:lvl5pPr>
+              <a:defRPr sz="1600"/>
+            </a:lvl5pPr>
+            <a:lvl6pPr>
+              <a:defRPr sz="1600"/>
+            </a:lvl6pPr>
+            <a:lvl7pPr>
+              <a:defRPr sz="1600"/>
+            </a:lvl7pPr>
+            <a:lvl8pPr>
+              <a:defRPr sz="1600"/>
+            </a:lvl8pPr>
+            <a:lvl9pPr>
+              <a:defRPr sz="1600"/>
+            </a:lvl9pPr>
+          </a:lstStyle>
+          <a:p>
+            <a:pPr lvl="0"/>
+            <a:r>
+              <a:rPr lang="en-US"/>
+              <a:t>Click to edit Master text styles</a:t>
+            </a:r>
+          </a:p>
+          <a:p>
+            <a:pPr lvl="1"/>
+            <a:r>
+              <a:rPr lang="en-US"/>
+              <a:t>Second level</a:t>
+            </a:r>
+          </a:p>
+          <a:p>
+            <a:pPr lvl="2"/>
+            <a:r>
+              <a:rPr lang="en-US"/>
+              <a:t>Third level</a:t>
+            </a:r>
+          </a:p>
+          <a:p>
+            <a:pPr lvl="3"/>
+            <a:r>
+              <a:rPr lang="en-US"/>
+              <a:t>Fourth level</a:t>
+            </a:r>
+          </a:p>
+          <a:p>
+            <a:pPr lvl="4"/>
+            <a:r>
+              <a:rPr lang="en-US"/>
+              <a:t>Fifth level</a:t>
+            </a:r>
+            <a:endParaRPr lang="ru-RU" dirty="0"/>
+          </a:p>
+        </p:txBody>
+      </p:sp>
+      <p:sp>
+        <p:nvSpPr>
+          <p:cNvPr id="5" name="Text Placeholder 4"/>
+          <p:cNvSpPr>
+            <a:spLocks noGrp="1"/>
+          </p:cNvSpPr>
+          <p:nvPr>
+            <p:ph type="body" sz="quarter" idx="3"/>
+          </p:nvPr>
+        </p:nvSpPr>
+        <p:spPr>
+          <a:xfrm>
+            <a:off x="4645025" y="1535113"/>
+            <a:ext cx="4041775" cy="639762"/>
+          </a:xfrm>
+        </p:spPr>
+        <p:txBody>
+          <a:bodyPr anchor="b"/>
+          <a:lstStyle>
+            <a:lvl1pPr marL="0" indent="0">
+              <a:buNone/>
+              <a:defRPr sz="2400" b="1"/>
+            </a:lvl1pPr>
+            <a:lvl2pPr marL="457200" indent="0">
+              <a:buNone/>
+              <a:defRPr sz="2000" b="1"/>
+            </a:lvl2pPr>
+            <a:lvl3pPr marL="914400" indent="0">
+              <a:buNone/>
+              <a:defRPr sz="1800" b="1"/>
+            </a:lvl3pPr>
+            <a:lvl4pPr marL="1371600" indent="0">
+              <a:buNone/>
+              <a:defRPr sz="1600" b="1"/>
+            </a:lvl4pPr>
+            <a:lvl5pPr marL="1828800" indent="0">
+              <a:buNone/>
+              <a:defRPr sz="1600" b="1"/>
+            </a:lvl5pPr>
+            <a:lvl6pPr marL="2286000" indent="0">
+              <a:buNone/>
+              <a:defRPr sz="1600" b="1"/>
+            </a:lvl6pPr>
+            <a:lvl7pPr marL="2743200" indent="0">
+              <a:buNone/>
+              <a:defRPr sz="1600" b="1"/>
+            </a:lvl7pPr>
+            <a:lvl8pPr marL="3200400" indent="0">
+              <a:buNone/>
+              <a:defRPr sz="1600" b="1"/>
+            </a:lvl8pPr>
+            <a:lvl9pPr marL="3657600" indent="0">
+              <a:buNone/>
+              <a:defRPr sz="1600" b="1"/>
+            </a:lvl9pPr>
+          </a:lstStyle>
+          <a:p>
+            <a:pPr lvl="0"/>
+            <a:r>
+              <a:rPr lang="en-US"/>
+              <a:t>Click to edit Master text styles</a:t>
+            </a:r>
+          </a:p>
+        </p:txBody>
+      </p:sp>
+      <p:sp>
+        <p:nvSpPr>
+          <p:cNvPr id="6" name="Content Placeholder 5"/>
+          <p:cNvSpPr>
+            <a:spLocks noGrp="1"/>
+          </p:cNvSpPr>
+          <p:nvPr>
+            <p:ph sz="quarter" idx="4"/>
+          </p:nvPr>
+        </p:nvSpPr>
+        <p:spPr>
+          <a:xfrm>
+            <a:off x="4645025" y="2174875"/>
+            <a:ext cx="4041775" cy="3951288"/>
+          </a:xfrm>
+        </p:spPr>
+        <p:txBody>
+          <a:bodyPr/>
+          <a:lstStyle>
+            <a:lvl1pPr>
+              <a:defRPr sz="2400"/>
+            </a:lvl1pPr>
+            <a:lvl2pPr>
+              <a:defRPr sz="2000"/>
+            </a:lvl2pPr>
+            <a:lvl3pPr>
+              <a:defRPr sz="1800"/>
+            </a:lvl3pPr>
+            <a:lvl4pPr>
+              <a:defRPr sz="1600"/>
+            </a:lvl4pPr>
+            <a:lvl5pPr>
+              <a:defRPr sz="1600"/>
+            </a:lvl5pPr>
+            <a:lvl6pPr>
+              <a:defRPr sz="1600"/>
+            </a:lvl6pPr>
+            <a:lvl7pPr>
+              <a:defRPr sz="1600"/>
+            </a:lvl7pPr>
+            <a:lvl8pPr>
+              <a:defRPr sz="1600"/>
+            </a:lvl8pPr>
+            <a:lvl9pPr>
+              <a:defRPr sz="1600"/>
+            </a:lvl9pPr>
+          </a:lstStyle>
+          <a:p>
+            <a:pPr lvl="0"/>
+            <a:r>
+              <a:rPr lang="en-US"/>
+              <a:t>Click to edit Master text styles</a:t>
+            </a:r>
+          </a:p>
+          <a:p>
+            <a:pPr lvl="1"/>
+            <a:r>
+              <a:rPr lang="en-US"/>
+              <a:t>Second level</a:t>
+            </a:r>
+          </a:p>
+          <a:p>
+            <a:pPr lvl="2"/>
+            <a:r>
+              <a:rPr lang="en-US"/>
+              <a:t>Third level</a:t>
+            </a:r>
+          </a:p>
+          <a:p>
+            <a:pPr lvl="3"/>
+            <a:r>
+              <a:rPr lang="en-US"/>
+              <a:t>Fourth level</a:t>
+            </a:r>
+          </a:p>
+          <a:p>
+            <a:pPr lvl="4"/>
+            <a:r>
+              <a:rPr lang="en-US"/>
+              <a:t>Fifth level</a:t>
+            </a:r>
+            <a:endParaRPr lang="ru-RU" dirty="0"/>
+          </a:p>
+        </p:txBody>
+      </p:sp>
+    </p:spTree>
+    <p:extLst>
+      <p:ext uri="{BB962C8B-B14F-4D97-AF65-F5344CB8AC3E}">
+        <p14:creationId xmlns:p14="http://schemas.microsoft.com/office/powerpoint/2010/main" val="4044979405"/>
+      </p:ext>
+    </p:extLst>
+  </p:cSld>
+  <p:clrMapOvr>
+    <a:masterClrMapping/>
+  </p:clrMapOvr>
+</p:sldLayout>
+</file>
+
+<file path=ppt/slideLayouts/slideLayout5.xml><?xml version="1.0" encoding="utf-8"?>
+<p:sldLayout xmlns:a="http://schemas.openxmlformats.org/drawingml/2006/main" xmlns:r="http://schemas.openxmlformats.org/officeDocument/2006/relationships" xmlns:p="http://schemas.openxmlformats.org/presentationml/2006/main" type="titleOnly" preserve="1">
+  <p:cSld name="Title Only">
+    <p:spTree>
+      <p:nvGrpSpPr>
+        <p:cNvPr id="1" name=""/>
+        <p:cNvGrpSpPr/>
+        <p:nvPr/>
+      </p:nvGrpSpPr>
+      <p:grpSpPr>
+        <a:xfrm>
+          <a:off x="0" y="0"/>
+          <a:ext cx="0" cy="0"/>
+          <a:chOff x="0" y="0"/>
+          <a:chExt cx="0" cy="0"/>
+        </a:xfrm>
+      </p:grpSpPr>
+      <p:sp>
+        <p:nvSpPr>
+          <p:cNvPr id="2" name="Title 1"/>
+          <p:cNvSpPr>
+            <a:spLocks noGrp="1"/>
+          </p:cNvSpPr>
+          <p:nvPr>
+            <p:ph type="title"/>
+          </p:nvPr>
+        </p:nvSpPr>
+        <p:spPr/>
+        <p:txBody>
+          <a:bodyPr/>
+          <a:lstStyle/>
+          <a:p>
+            <a:r>
+              <a:rPr lang="en-US"/>
+              <a:t>Click to edit Master title style</a:t>
+            </a:r>
+            <a:endParaRPr lang="ru-RU" dirty="0"/>
+          </a:p>
+        </p:txBody>
+      </p:sp>
+    </p:spTree>
+    <p:extLst>
+      <p:ext uri="{BB962C8B-B14F-4D97-AF65-F5344CB8AC3E}">
+        <p14:creationId xmlns:p14="http://schemas.microsoft.com/office/powerpoint/2010/main" val="125202666"/>
+      </p:ext>
+    </p:extLst>
+  </p:cSld>
+  <p:clrMapOvr>
+    <a:masterClrMapping/>
+  </p:clrMapOvr>
+</p:sldLayout>
+</file>
+
+<file path=ppt/slideLayouts/slideLayout6.xml><?xml version="1.0" encoding="utf-8"?>
+<p:sldLayout xmlns:a="http://schemas.openxmlformats.org/drawingml/2006/main" xmlns:r="http://schemas.openxmlformats.org/officeDocument/2006/relationships" xmlns:p="http://schemas.openxmlformats.org/presentationml/2006/main" type="blank" preserve="1">
+  <p:cSld name="1_Blank">
+    <p:spTree>
+      <p:nvGrpSpPr>
+        <p:cNvPr id="1" name=""/>
+        <p:cNvGrpSpPr/>
+        <p:nvPr/>
+      </p:nvGrpSpPr>
+      <p:grpSpPr>
+        <a:xfrm>
+          <a:off x="0" y="0"/>
+          <a:ext cx="0" cy="0"/>
+          <a:chOff x="0" y="0"/>
+          <a:chExt cx="0" cy="0"/>
+        </a:xfrm>
+      </p:grpSpPr>
+    </p:spTree>
+    <p:extLst>
+      <p:ext uri="{BB962C8B-B14F-4D97-AF65-F5344CB8AC3E}">
+        <p14:creationId xmlns:p14="http://schemas.microsoft.com/office/powerpoint/2010/main" val="2618453949"/>
+      </p:ext>
+    </p:extLst>
+  </p:cSld>
+  <p:clrMapOvr>
+    <a:masterClrMapping/>
+  </p:clrMapOvr>
+</p:sldLayout>
+</file>
+
+<file path=ppt/slideLayouts/slideLayout7.xml><?xml version="1.0" encoding="utf-8"?>
 <p:sldLayout xmlns:a="http://schemas.openxmlformats.org/drawingml/2006/main" xmlns:r="http://schemas.openxmlformats.org/officeDocument/2006/relationships" xmlns:p="http://schemas.openxmlformats.org/presentationml/2006/main" type="objTx" preserve="1">
   <p:cSld name="Content with Caption">
     <p:spTree>
@@ -891,7 +2003,7 @@
 </p:sldLayout>
 </file>
 
-<file path=ppt/slideLayouts/slideLayout11.xml><?xml version="1.0" encoding="utf-8"?>
+<file path=ppt/slideLayouts/slideLayout8.xml><?xml version="1.0" encoding="utf-8"?>
 <p:sldLayout xmlns:a="http://schemas.openxmlformats.org/drawingml/2006/main" xmlns:r="http://schemas.openxmlformats.org/officeDocument/2006/relationships" xmlns:p="http://schemas.openxmlformats.org/presentationml/2006/main" type="picTx" preserve="1">
   <p:cSld name="Picture with Caption">
     <p:spTree>
@@ -1083,7 +2195,7 @@
 </p:sldLayout>
 </file>
 
-<file path=ppt/slideLayouts/slideLayout12.xml><?xml version="1.0" encoding="utf-8"?>
+<file path=ppt/slideLayouts/slideLayout9.xml><?xml version="1.0" encoding="utf-8"?>
 <p:sldLayout xmlns:a="http://schemas.openxmlformats.org/drawingml/2006/main" xmlns:r="http://schemas.openxmlformats.org/officeDocument/2006/relationships" xmlns:p="http://schemas.openxmlformats.org/presentationml/2006/main" type="vertTx" preserve="1">
   <p:cSld name="Title and Vertical Text">
     <p:spTree>
@@ -1188,1578 +2300,13 @@
 </p:sldLayout>
 </file>
 
-<file path=ppt/slideLayouts/slideLayout13.xml><?xml version="1.0" encoding="utf-8"?>
-<p:sldLayout xmlns:a="http://schemas.openxmlformats.org/drawingml/2006/main" xmlns:r="http://schemas.openxmlformats.org/officeDocument/2006/relationships" xmlns:p="http://schemas.openxmlformats.org/presentationml/2006/main" type="vertTitleAndTx" preserve="1">
-  <p:cSld name="Vertical Title and Text">
-    <p:spTree>
-      <p:nvGrpSpPr>
-        <p:cNvPr id="1" name=""/>
-        <p:cNvGrpSpPr/>
-        <p:nvPr/>
-      </p:nvGrpSpPr>
-      <p:grpSpPr>
-        <a:xfrm>
-          <a:off x="0" y="0"/>
-          <a:ext cx="0" cy="0"/>
-          <a:chOff x="0" y="0"/>
-          <a:chExt cx="0" cy="0"/>
-        </a:xfrm>
-      </p:grpSpPr>
-      <p:sp>
-        <p:nvSpPr>
-          <p:cNvPr id="2" name="Vertical Title 1"/>
-          <p:cNvSpPr>
-            <a:spLocks noGrp="1"/>
-          </p:cNvSpPr>
-          <p:nvPr>
-            <p:ph type="title" orient="vert"/>
-          </p:nvPr>
-        </p:nvSpPr>
-        <p:spPr>
-          <a:xfrm>
-            <a:off x="6629400" y="274638"/>
-            <a:ext cx="2057400" cy="5851525"/>
-          </a:xfrm>
-        </p:spPr>
-        <p:txBody>
-          <a:bodyPr vert="eaVert"/>
-          <a:lstStyle/>
-          <a:p>
-            <a:r>
-              <a:rPr lang="en-US"/>
-              <a:t>Click to edit Master title style</a:t>
-            </a:r>
-            <a:endParaRPr lang="ru-RU" dirty="0"/>
-          </a:p>
-        </p:txBody>
-      </p:sp>
-      <p:sp>
-        <p:nvSpPr>
-          <p:cNvPr id="3" name="Vertical Text Placeholder 2"/>
-          <p:cNvSpPr>
-            <a:spLocks noGrp="1"/>
-          </p:cNvSpPr>
-          <p:nvPr>
-            <p:ph type="body" orient="vert" idx="1"/>
-          </p:nvPr>
-        </p:nvSpPr>
-        <p:spPr>
-          <a:xfrm>
-            <a:off x="457200" y="274638"/>
-            <a:ext cx="6019800" cy="5851525"/>
-          </a:xfrm>
-        </p:spPr>
-        <p:txBody>
-          <a:bodyPr vert="eaVert"/>
-          <a:lstStyle/>
-          <a:p>
-            <a:pPr lvl="0"/>
-            <a:r>
-              <a:rPr lang="en-US"/>
-              <a:t>Click to edit Master text styles</a:t>
-            </a:r>
-          </a:p>
-          <a:p>
-            <a:pPr lvl="1"/>
-            <a:r>
-              <a:rPr lang="en-US"/>
-              <a:t>Second level</a:t>
-            </a:r>
-          </a:p>
-          <a:p>
-            <a:pPr lvl="2"/>
-            <a:r>
-              <a:rPr lang="en-US"/>
-              <a:t>Third level</a:t>
-            </a:r>
-          </a:p>
-          <a:p>
-            <a:pPr lvl="3"/>
-            <a:r>
-              <a:rPr lang="en-US"/>
-              <a:t>Fourth level</a:t>
-            </a:r>
-          </a:p>
-          <a:p>
-            <a:pPr lvl="4"/>
-            <a:r>
-              <a:rPr lang="en-US"/>
-              <a:t>Fifth level</a:t>
-            </a:r>
-            <a:endParaRPr lang="ru-RU" dirty="0"/>
-          </a:p>
-        </p:txBody>
-      </p:sp>
-    </p:spTree>
-    <p:extLst>
-      <p:ext uri="{BB962C8B-B14F-4D97-AF65-F5344CB8AC3E}">
-        <p14:creationId xmlns:p14="http://schemas.microsoft.com/office/powerpoint/2010/main" val="370514854"/>
-      </p:ext>
-    </p:extLst>
-  </p:cSld>
-  <p:clrMapOvr>
-    <a:masterClrMapping/>
-  </p:clrMapOvr>
-</p:sldLayout>
-</file>
-
-<file path=ppt/slideLayouts/slideLayout14.xml><?xml version="1.0" encoding="utf-8"?>
-<p:sldLayout xmlns:a="http://schemas.openxmlformats.org/drawingml/2006/main" xmlns:r="http://schemas.openxmlformats.org/officeDocument/2006/relationships" xmlns:p="http://schemas.openxmlformats.org/presentationml/2006/main" type="title">
-  <p:cSld name="2_Title Slide">
-    <p:spTree>
-      <p:nvGrpSpPr>
-        <p:cNvPr id="1" name=""/>
-        <p:cNvGrpSpPr/>
-        <p:nvPr/>
-      </p:nvGrpSpPr>
-      <p:grpSpPr>
-        <a:xfrm>
-          <a:off x="0" y="0"/>
-          <a:ext cx="0" cy="0"/>
-          <a:chOff x="0" y="0"/>
-          <a:chExt cx="0" cy="0"/>
-        </a:xfrm>
-      </p:grpSpPr>
-      <p:sp>
-        <p:nvSpPr>
-          <p:cNvPr id="2" name="Title 1"/>
-          <p:cNvSpPr>
-            <a:spLocks noGrp="1"/>
-          </p:cNvSpPr>
-          <p:nvPr>
-            <p:ph type="ctrTitle"/>
-          </p:nvPr>
-        </p:nvSpPr>
-        <p:spPr>
-          <a:xfrm>
-            <a:off x="685800" y="2130425"/>
-            <a:ext cx="7772400" cy="1470025"/>
-          </a:xfrm>
-        </p:spPr>
-        <p:txBody>
-          <a:bodyPr/>
-          <a:lstStyle/>
-          <a:p>
-            <a:r>
-              <a:rPr lang="en-US"/>
-              <a:t>Click to edit Master title style</a:t>
-            </a:r>
-            <a:endParaRPr lang="ru-RU"/>
-          </a:p>
-        </p:txBody>
-      </p:sp>
-      <p:sp>
-        <p:nvSpPr>
-          <p:cNvPr id="3" name="Subtitle 2"/>
-          <p:cNvSpPr>
-            <a:spLocks noGrp="1"/>
-          </p:cNvSpPr>
-          <p:nvPr>
-            <p:ph type="subTitle" idx="1"/>
-          </p:nvPr>
-        </p:nvSpPr>
-        <p:spPr>
-          <a:xfrm>
-            <a:off x="1371600" y="3886200"/>
-            <a:ext cx="6400800" cy="1752600"/>
-          </a:xfrm>
-        </p:spPr>
-        <p:txBody>
-          <a:bodyPr/>
-          <a:lstStyle>
-            <a:lvl1pPr marL="0" indent="0" algn="ctr">
-              <a:buNone/>
-              <a:defRPr>
-                <a:solidFill>
-                  <a:schemeClr val="tx1">
-                    <a:tint val="75000"/>
-                  </a:schemeClr>
-                </a:solidFill>
-              </a:defRPr>
-            </a:lvl1pPr>
-            <a:lvl2pPr marL="457200" indent="0" algn="ctr">
-              <a:buNone/>
-              <a:defRPr>
-                <a:solidFill>
-                  <a:schemeClr val="tx1">
-                    <a:tint val="75000"/>
-                  </a:schemeClr>
-                </a:solidFill>
-              </a:defRPr>
-            </a:lvl2pPr>
-            <a:lvl3pPr marL="914400" indent="0" algn="ctr">
-              <a:buNone/>
-              <a:defRPr>
-                <a:solidFill>
-                  <a:schemeClr val="tx1">
-                    <a:tint val="75000"/>
-                  </a:schemeClr>
-                </a:solidFill>
-              </a:defRPr>
-            </a:lvl3pPr>
-            <a:lvl4pPr marL="1371600" indent="0" algn="ctr">
-              <a:buNone/>
-              <a:defRPr>
-                <a:solidFill>
-                  <a:schemeClr val="tx1">
-                    <a:tint val="75000"/>
-                  </a:schemeClr>
-                </a:solidFill>
-              </a:defRPr>
-            </a:lvl4pPr>
-            <a:lvl5pPr marL="1828800" indent="0" algn="ctr">
-              <a:buNone/>
-              <a:defRPr>
-                <a:solidFill>
-                  <a:schemeClr val="tx1">
-                    <a:tint val="75000"/>
-                  </a:schemeClr>
-                </a:solidFill>
-              </a:defRPr>
-            </a:lvl5pPr>
-            <a:lvl6pPr marL="2286000" indent="0" algn="ctr">
-              <a:buNone/>
-              <a:defRPr>
-                <a:solidFill>
-                  <a:schemeClr val="tx1">
-                    <a:tint val="75000"/>
-                  </a:schemeClr>
-                </a:solidFill>
-              </a:defRPr>
-            </a:lvl6pPr>
-            <a:lvl7pPr marL="2743200" indent="0" algn="ctr">
-              <a:buNone/>
-              <a:defRPr>
-                <a:solidFill>
-                  <a:schemeClr val="tx1">
-                    <a:tint val="75000"/>
-                  </a:schemeClr>
-                </a:solidFill>
-              </a:defRPr>
-            </a:lvl7pPr>
-            <a:lvl8pPr marL="3200400" indent="0" algn="ctr">
-              <a:buNone/>
-              <a:defRPr>
-                <a:solidFill>
-                  <a:schemeClr val="tx1">
-                    <a:tint val="75000"/>
-                  </a:schemeClr>
-                </a:solidFill>
-              </a:defRPr>
-            </a:lvl8pPr>
-            <a:lvl9pPr marL="3657600" indent="0" algn="ctr">
-              <a:buNone/>
-              <a:defRPr>
-                <a:solidFill>
-                  <a:schemeClr val="tx1">
-                    <a:tint val="75000"/>
-                  </a:schemeClr>
-                </a:solidFill>
-              </a:defRPr>
-            </a:lvl9pPr>
-          </a:lstStyle>
-          <a:p>
-            <a:r>
-              <a:rPr lang="en-US"/>
-              <a:t>Click to edit Master subtitle style</a:t>
-            </a:r>
-            <a:endParaRPr lang="ru-RU"/>
-          </a:p>
-        </p:txBody>
-      </p:sp>
-      <p:sp>
-        <p:nvSpPr>
-          <p:cNvPr id="4" name="Date Placeholder 3"/>
-          <p:cNvSpPr>
-            <a:spLocks noGrp="1"/>
-          </p:cNvSpPr>
-          <p:nvPr>
-            <p:ph type="dt" sz="half" idx="10"/>
-          </p:nvPr>
-        </p:nvSpPr>
-        <p:spPr/>
-        <p:txBody>
-          <a:bodyPr/>
-          <a:lstStyle/>
-          <a:p>
-            <a:fld id="{8E6E6A2A-E9D3-4A0D-B04A-ABDD367A1E08}" type="datetimeFigureOut">
-              <a:rPr lang="ru-RU" smtClean="0"/>
-              <a:t>14.02.2019</a:t>
-            </a:fld>
-            <a:endParaRPr lang="ru-RU"/>
-          </a:p>
-        </p:txBody>
-      </p:sp>
-      <p:sp>
-        <p:nvSpPr>
-          <p:cNvPr id="5" name="Footer Placeholder 4"/>
-          <p:cNvSpPr>
-            <a:spLocks noGrp="1"/>
-          </p:cNvSpPr>
-          <p:nvPr>
-            <p:ph type="ftr" sz="quarter" idx="11"/>
-          </p:nvPr>
-        </p:nvSpPr>
-        <p:spPr/>
-        <p:txBody>
-          <a:bodyPr/>
-          <a:lstStyle/>
-          <a:p>
-            <a:endParaRPr lang="ru-RU"/>
-          </a:p>
-        </p:txBody>
-      </p:sp>
-      <p:sp>
-        <p:nvSpPr>
-          <p:cNvPr id="6" name="Slide Number Placeholder 5"/>
-          <p:cNvSpPr>
-            <a:spLocks noGrp="1"/>
-          </p:cNvSpPr>
-          <p:nvPr>
-            <p:ph type="sldNum" sz="quarter" idx="12"/>
-          </p:nvPr>
-        </p:nvSpPr>
-        <p:spPr/>
-        <p:txBody>
-          <a:bodyPr/>
-          <a:lstStyle/>
-          <a:p>
-            <a:fld id="{BC0D3D34-2E8A-4A38-B864-C677BA056495}" type="slidenum">
-              <a:rPr lang="ru-RU" smtClean="0"/>
-              <a:t>‹#›</a:t>
-            </a:fld>
-            <a:endParaRPr lang="ru-RU"/>
-          </a:p>
-        </p:txBody>
-      </p:sp>
-    </p:spTree>
-    <p:extLst>
-      <p:ext uri="{BB962C8B-B14F-4D97-AF65-F5344CB8AC3E}">
-        <p14:creationId xmlns:p14="http://schemas.microsoft.com/office/powerpoint/2010/main" val="4222294974"/>
-      </p:ext>
-    </p:extLst>
-  </p:cSld>
-  <p:clrMapOvr>
-    <a:masterClrMapping/>
-  </p:clrMapOvr>
-</p:sldLayout>
-</file>
-
-<file path=ppt/slideLayouts/slideLayout2.xml><?xml version="1.0" encoding="utf-8"?>
-<p:sldLayout xmlns:a="http://schemas.openxmlformats.org/drawingml/2006/main" xmlns:r="http://schemas.openxmlformats.org/officeDocument/2006/relationships" xmlns:p="http://schemas.openxmlformats.org/presentationml/2006/main" preserve="1" userDrawn="1">
-  <p:cSld name="1_Title Slide">
-    <p:spTree>
-      <p:nvGrpSpPr>
-        <p:cNvPr id="1" name=""/>
-        <p:cNvGrpSpPr/>
-        <p:nvPr/>
-      </p:nvGrpSpPr>
-      <p:grpSpPr>
-        <a:xfrm>
-          <a:off x="0" y="0"/>
-          <a:ext cx="0" cy="0"/>
-          <a:chOff x="0" y="0"/>
-          <a:chExt cx="0" cy="0"/>
-        </a:xfrm>
-      </p:grpSpPr>
-      <p:sp>
-        <p:nvSpPr>
-          <p:cNvPr id="9" name="TextBox 8"/>
-          <p:cNvSpPr txBox="1"/>
-          <p:nvPr userDrawn="1"/>
-        </p:nvSpPr>
-        <p:spPr>
-          <a:xfrm>
-            <a:off x="2774873" y="2528900"/>
-            <a:ext cx="4240263" cy="461665"/>
-          </a:xfrm>
-          <a:prstGeom prst="rect">
-            <a:avLst/>
-          </a:prstGeom>
-          <a:noFill/>
-        </p:spPr>
-        <p:txBody>
-          <a:bodyPr wrap="none" rtlCol="0">
-            <a:spAutoFit/>
-          </a:bodyPr>
-          <a:lstStyle/>
-          <a:p>
-            <a:r>
-              <a:rPr lang="ru-RU" sz="2400" dirty="0">
-                <a:solidFill>
-                  <a:schemeClr val="bg1"/>
-                </a:solidFill>
-              </a:rPr>
-              <a:t>Занятие №</a:t>
-            </a:r>
-            <a:r>
-              <a:rPr lang="en-US" sz="2400" dirty="0">
-                <a:solidFill>
-                  <a:schemeClr val="bg1"/>
-                </a:solidFill>
-              </a:rPr>
-              <a:t>2</a:t>
-            </a:r>
-            <a:r>
-              <a:rPr lang="ru-RU" sz="2400" dirty="0">
-                <a:solidFill>
-                  <a:schemeClr val="bg1"/>
-                </a:solidFill>
-              </a:rPr>
-              <a:t>. Название занятия</a:t>
-            </a:r>
-            <a:endParaRPr lang="en-US" sz="2400" dirty="0">
-              <a:solidFill>
-                <a:schemeClr val="bg1"/>
-              </a:solidFill>
-            </a:endParaRPr>
-          </a:p>
-        </p:txBody>
-      </p:sp>
-      <p:sp>
-        <p:nvSpPr>
-          <p:cNvPr id="7" name="Rectangle 6"/>
-          <p:cNvSpPr/>
-          <p:nvPr userDrawn="1"/>
-        </p:nvSpPr>
-        <p:spPr>
-          <a:xfrm>
-            <a:off x="143508" y="1304764"/>
-            <a:ext cx="8856984" cy="646331"/>
-          </a:xfrm>
-          <a:prstGeom prst="rect">
-            <a:avLst/>
-          </a:prstGeom>
-        </p:spPr>
-        <p:txBody>
-          <a:bodyPr wrap="square">
-            <a:spAutoFit/>
-          </a:bodyPr>
-          <a:lstStyle/>
-          <a:p>
-            <a:pPr algn="ctr"/>
-            <a:r>
-              <a:rPr lang="ru-RU" sz="3600" b="1" i="1" dirty="0">
-                <a:solidFill>
-                  <a:schemeClr val="bg1"/>
-                </a:solidFill>
-              </a:rPr>
-              <a:t>Основы программирования на </a:t>
-            </a:r>
-            <a:r>
-              <a:rPr lang="en-US" sz="3600" b="1" i="1" dirty="0">
-                <a:solidFill>
-                  <a:schemeClr val="bg1"/>
-                </a:solidFill>
-              </a:rPr>
-              <a:t>C#</a:t>
-            </a:r>
-            <a:endParaRPr lang="ru-RU" sz="3600" b="1" i="1" dirty="0">
-              <a:solidFill>
-                <a:schemeClr val="bg1"/>
-              </a:solidFill>
-            </a:endParaRPr>
-          </a:p>
-        </p:txBody>
-      </p:sp>
-      <p:pic>
-        <p:nvPicPr>
-          <p:cNvPr id="8" name="Picture 5"/>
-          <p:cNvPicPr>
-            <a:picLocks noChangeAspect="1" noChangeArrowheads="1"/>
-          </p:cNvPicPr>
-          <p:nvPr userDrawn="1"/>
-        </p:nvPicPr>
-        <p:blipFill>
-          <a:blip r:embed="rId2">
-            <a:extLst>
-              <a:ext uri="{28A0092B-C50C-407E-A947-70E740481C1C}">
-                <a14:useLocalDpi xmlns:a14="http://schemas.microsoft.com/office/drawing/2010/main" val="0"/>
-              </a:ext>
-            </a:extLst>
-          </a:blip>
-          <a:srcRect/>
-          <a:stretch>
-            <a:fillRect/>
-          </a:stretch>
-        </p:blipFill>
-        <p:spPr bwMode="auto">
-          <a:xfrm>
-            <a:off x="1638300" y="3829211"/>
-            <a:ext cx="5867400" cy="1724025"/>
-          </a:xfrm>
-          <a:prstGeom prst="rect">
-            <a:avLst/>
-          </a:prstGeom>
-          <a:noFill/>
-          <a:ln>
-            <a:noFill/>
-          </a:ln>
-          <a:effectLst/>
-          <a:extLst>
-            <a:ext uri="{909E8E84-426E-40DD-AFC4-6F175D3DCCD1}">
-              <a14:hiddenFill xmlns:a14="http://schemas.microsoft.com/office/drawing/2010/main">
-                <a:solidFill>
-                  <a:schemeClr val="accent1"/>
-                </a:solidFill>
-              </a14:hiddenFill>
-            </a:ext>
-            <a:ext uri="{91240B29-F687-4F45-9708-019B960494DF}">
-              <a14:hiddenLine xmlns:a14="http://schemas.microsoft.com/office/drawing/2010/main" w="9525">
-                <a:solidFill>
-                  <a:schemeClr val="tx1"/>
-                </a:solidFill>
-                <a:miter lim="800000"/>
-                <a:headEnd/>
-                <a:tailEnd/>
-              </a14:hiddenLine>
-            </a:ext>
-            <a:ext uri="{AF507438-7753-43E0-B8FC-AC1667EBCBE1}">
-              <a14:hiddenEffects xmlns:a14="http://schemas.microsoft.com/office/drawing/2010/main">
-                <a:effectLst>
-                  <a:outerShdw dist="35921" dir="2700000" algn="ctr" rotWithShape="0">
-                    <a:schemeClr val="bg2"/>
-                  </a:outerShdw>
-                </a:effectLst>
-              </a14:hiddenEffects>
-            </a:ext>
-          </a:extLst>
-        </p:spPr>
-      </p:pic>
-    </p:spTree>
-    <p:extLst>
-      <p:ext uri="{BB962C8B-B14F-4D97-AF65-F5344CB8AC3E}">
-        <p14:creationId xmlns:p14="http://schemas.microsoft.com/office/powerpoint/2010/main" val="3296324981"/>
-      </p:ext>
-    </p:extLst>
-  </p:cSld>
-  <p:clrMapOvr>
-    <a:masterClrMapping/>
-  </p:clrMapOvr>
-</p:sldLayout>
-</file>
-
-<file path=ppt/slideLayouts/slideLayout3.xml><?xml version="1.0" encoding="utf-8"?>
-<p:sldLayout xmlns:a="http://schemas.openxmlformats.org/drawingml/2006/main" xmlns:r="http://schemas.openxmlformats.org/officeDocument/2006/relationships" xmlns:p="http://schemas.openxmlformats.org/presentationml/2006/main" type="obj" preserve="1">
-  <p:cSld name="Title and Content">
-    <p:spTree>
-      <p:nvGrpSpPr>
-        <p:cNvPr id="1" name=""/>
-        <p:cNvGrpSpPr/>
-        <p:nvPr/>
-      </p:nvGrpSpPr>
-      <p:grpSpPr>
-        <a:xfrm>
-          <a:off x="0" y="0"/>
-          <a:ext cx="0" cy="0"/>
-          <a:chOff x="0" y="0"/>
-          <a:chExt cx="0" cy="0"/>
-        </a:xfrm>
-      </p:grpSpPr>
-      <p:sp>
-        <p:nvSpPr>
-          <p:cNvPr id="2" name="Title 1"/>
-          <p:cNvSpPr>
-            <a:spLocks noGrp="1"/>
-          </p:cNvSpPr>
-          <p:nvPr>
-            <p:ph type="title"/>
-          </p:nvPr>
-        </p:nvSpPr>
-        <p:spPr/>
-        <p:txBody>
-          <a:bodyPr/>
-          <a:lstStyle/>
-          <a:p>
-            <a:r>
-              <a:rPr lang="en-US"/>
-              <a:t>Click to edit Master title style</a:t>
-            </a:r>
-            <a:endParaRPr lang="ru-RU" dirty="0"/>
-          </a:p>
-        </p:txBody>
-      </p:sp>
-      <p:sp>
-        <p:nvSpPr>
-          <p:cNvPr id="3" name="Content Placeholder 2"/>
-          <p:cNvSpPr>
-            <a:spLocks noGrp="1"/>
-          </p:cNvSpPr>
-          <p:nvPr>
-            <p:ph idx="1"/>
-          </p:nvPr>
-        </p:nvSpPr>
-        <p:spPr/>
-        <p:txBody>
-          <a:bodyPr/>
-          <a:lstStyle/>
-          <a:p>
-            <a:pPr lvl="0"/>
-            <a:r>
-              <a:rPr lang="en-US"/>
-              <a:t>Click to edit Master text styles</a:t>
-            </a:r>
-          </a:p>
-          <a:p>
-            <a:pPr lvl="1"/>
-            <a:r>
-              <a:rPr lang="en-US"/>
-              <a:t>Second level</a:t>
-            </a:r>
-          </a:p>
-          <a:p>
-            <a:pPr lvl="2"/>
-            <a:r>
-              <a:rPr lang="en-US"/>
-              <a:t>Third level</a:t>
-            </a:r>
-          </a:p>
-          <a:p>
-            <a:pPr lvl="3"/>
-            <a:r>
-              <a:rPr lang="en-US"/>
-              <a:t>Fourth level</a:t>
-            </a:r>
-          </a:p>
-          <a:p>
-            <a:pPr lvl="4"/>
-            <a:r>
-              <a:rPr lang="en-US"/>
-              <a:t>Fifth level</a:t>
-            </a:r>
-            <a:endParaRPr lang="ru-RU" dirty="0"/>
-          </a:p>
-        </p:txBody>
-      </p:sp>
-    </p:spTree>
-    <p:extLst>
-      <p:ext uri="{BB962C8B-B14F-4D97-AF65-F5344CB8AC3E}">
-        <p14:creationId xmlns:p14="http://schemas.microsoft.com/office/powerpoint/2010/main" val="3363467697"/>
-      </p:ext>
-    </p:extLst>
-  </p:cSld>
-  <p:clrMapOvr>
-    <a:masterClrMapping/>
-  </p:clrMapOvr>
-</p:sldLayout>
-</file>
-
-<file path=ppt/slideLayouts/slideLayout4.xml><?xml version="1.0" encoding="utf-8"?>
-<p:sldLayout xmlns:a="http://schemas.openxmlformats.org/drawingml/2006/main" xmlns:r="http://schemas.openxmlformats.org/officeDocument/2006/relationships" xmlns:p="http://schemas.openxmlformats.org/presentationml/2006/main" type="secHead" preserve="1">
-  <p:cSld name="Section Header">
-    <p:spTree>
-      <p:nvGrpSpPr>
-        <p:cNvPr id="1" name=""/>
-        <p:cNvGrpSpPr/>
-        <p:nvPr/>
-      </p:nvGrpSpPr>
-      <p:grpSpPr>
-        <a:xfrm>
-          <a:off x="0" y="0"/>
-          <a:ext cx="0" cy="0"/>
-          <a:chOff x="0" y="0"/>
-          <a:chExt cx="0" cy="0"/>
-        </a:xfrm>
-      </p:grpSpPr>
-      <p:sp>
-        <p:nvSpPr>
-          <p:cNvPr id="2" name="Title 1"/>
-          <p:cNvSpPr>
-            <a:spLocks noGrp="1"/>
-          </p:cNvSpPr>
-          <p:nvPr>
-            <p:ph type="title"/>
-          </p:nvPr>
-        </p:nvSpPr>
-        <p:spPr>
-          <a:xfrm>
-            <a:off x="722313" y="4406900"/>
-            <a:ext cx="7772400" cy="1362075"/>
-          </a:xfrm>
-        </p:spPr>
-        <p:txBody>
-          <a:bodyPr anchor="t"/>
-          <a:lstStyle>
-            <a:lvl1pPr algn="l">
-              <a:defRPr sz="4000" b="1" cap="all"/>
-            </a:lvl1pPr>
-          </a:lstStyle>
-          <a:p>
-            <a:r>
-              <a:rPr lang="en-US"/>
-              <a:t>Click to edit Master title style</a:t>
-            </a:r>
-            <a:endParaRPr lang="ru-RU" dirty="0"/>
-          </a:p>
-        </p:txBody>
-      </p:sp>
-      <p:sp>
-        <p:nvSpPr>
-          <p:cNvPr id="3" name="Text Placeholder 2"/>
-          <p:cNvSpPr>
-            <a:spLocks noGrp="1"/>
-          </p:cNvSpPr>
-          <p:nvPr>
-            <p:ph type="body" idx="1"/>
-          </p:nvPr>
-        </p:nvSpPr>
-        <p:spPr>
-          <a:xfrm>
-            <a:off x="722313" y="2906713"/>
-            <a:ext cx="7772400" cy="1500187"/>
-          </a:xfrm>
-        </p:spPr>
-        <p:txBody>
-          <a:bodyPr anchor="b"/>
-          <a:lstStyle>
-            <a:lvl1pPr marL="0" indent="0">
-              <a:buNone/>
-              <a:defRPr sz="2000">
-                <a:solidFill>
-                  <a:schemeClr val="tx1">
-                    <a:tint val="75000"/>
-                  </a:schemeClr>
-                </a:solidFill>
-              </a:defRPr>
-            </a:lvl1pPr>
-            <a:lvl2pPr marL="457200" indent="0">
-              <a:buNone/>
-              <a:defRPr sz="1800">
-                <a:solidFill>
-                  <a:schemeClr val="tx1">
-                    <a:tint val="75000"/>
-                  </a:schemeClr>
-                </a:solidFill>
-              </a:defRPr>
-            </a:lvl2pPr>
-            <a:lvl3pPr marL="914400" indent="0">
-              <a:buNone/>
-              <a:defRPr sz="1600">
-                <a:solidFill>
-                  <a:schemeClr val="tx1">
-                    <a:tint val="75000"/>
-                  </a:schemeClr>
-                </a:solidFill>
-              </a:defRPr>
-            </a:lvl3pPr>
-            <a:lvl4pPr marL="1371600" indent="0">
-              <a:buNone/>
-              <a:defRPr sz="1400">
-                <a:solidFill>
-                  <a:schemeClr val="tx1">
-                    <a:tint val="75000"/>
-                  </a:schemeClr>
-                </a:solidFill>
-              </a:defRPr>
-            </a:lvl4pPr>
-            <a:lvl5pPr marL="1828800" indent="0">
-              <a:buNone/>
-              <a:defRPr sz="1400">
-                <a:solidFill>
-                  <a:schemeClr val="tx1">
-                    <a:tint val="75000"/>
-                  </a:schemeClr>
-                </a:solidFill>
-              </a:defRPr>
-            </a:lvl5pPr>
-            <a:lvl6pPr marL="2286000" indent="0">
-              <a:buNone/>
-              <a:defRPr sz="1400">
-                <a:solidFill>
-                  <a:schemeClr val="tx1">
-                    <a:tint val="75000"/>
-                  </a:schemeClr>
-                </a:solidFill>
-              </a:defRPr>
-            </a:lvl6pPr>
-            <a:lvl7pPr marL="2743200" indent="0">
-              <a:buNone/>
-              <a:defRPr sz="1400">
-                <a:solidFill>
-                  <a:schemeClr val="tx1">
-                    <a:tint val="75000"/>
-                  </a:schemeClr>
-                </a:solidFill>
-              </a:defRPr>
-            </a:lvl7pPr>
-            <a:lvl8pPr marL="3200400" indent="0">
-              <a:buNone/>
-              <a:defRPr sz="1400">
-                <a:solidFill>
-                  <a:schemeClr val="tx1">
-                    <a:tint val="75000"/>
-                  </a:schemeClr>
-                </a:solidFill>
-              </a:defRPr>
-            </a:lvl8pPr>
-            <a:lvl9pPr marL="3657600" indent="0">
-              <a:buNone/>
-              <a:defRPr sz="1400">
-                <a:solidFill>
-                  <a:schemeClr val="tx1">
-                    <a:tint val="75000"/>
-                  </a:schemeClr>
-                </a:solidFill>
-              </a:defRPr>
-            </a:lvl9pPr>
-          </a:lstStyle>
-          <a:p>
-            <a:pPr lvl="0"/>
-            <a:r>
-              <a:rPr lang="en-US"/>
-              <a:t>Click to edit Master text styles</a:t>
-            </a:r>
-          </a:p>
-        </p:txBody>
-      </p:sp>
-    </p:spTree>
-    <p:extLst>
-      <p:ext uri="{BB962C8B-B14F-4D97-AF65-F5344CB8AC3E}">
-        <p14:creationId xmlns:p14="http://schemas.microsoft.com/office/powerpoint/2010/main" val="1627150216"/>
-      </p:ext>
-    </p:extLst>
-  </p:cSld>
-  <p:clrMapOvr>
-    <a:masterClrMapping/>
-  </p:clrMapOvr>
-</p:sldLayout>
-</file>
-
-<file path=ppt/slideLayouts/slideLayout5.xml><?xml version="1.0" encoding="utf-8"?>
-<p:sldLayout xmlns:a="http://schemas.openxmlformats.org/drawingml/2006/main" xmlns:r="http://schemas.openxmlformats.org/officeDocument/2006/relationships" xmlns:p="http://schemas.openxmlformats.org/presentationml/2006/main" type="twoObj" preserve="1">
-  <p:cSld name="Two Content">
-    <p:spTree>
-      <p:nvGrpSpPr>
-        <p:cNvPr id="1" name=""/>
-        <p:cNvGrpSpPr/>
-        <p:nvPr/>
-      </p:nvGrpSpPr>
-      <p:grpSpPr>
-        <a:xfrm>
-          <a:off x="0" y="0"/>
-          <a:ext cx="0" cy="0"/>
-          <a:chOff x="0" y="0"/>
-          <a:chExt cx="0" cy="0"/>
-        </a:xfrm>
-      </p:grpSpPr>
-      <p:sp>
-        <p:nvSpPr>
-          <p:cNvPr id="2" name="Title 1"/>
-          <p:cNvSpPr>
-            <a:spLocks noGrp="1"/>
-          </p:cNvSpPr>
-          <p:nvPr>
-            <p:ph type="title"/>
-          </p:nvPr>
-        </p:nvSpPr>
-        <p:spPr/>
-        <p:txBody>
-          <a:bodyPr/>
-          <a:lstStyle/>
-          <a:p>
-            <a:r>
-              <a:rPr lang="en-US"/>
-              <a:t>Click to edit Master title style</a:t>
-            </a:r>
-            <a:endParaRPr lang="ru-RU" dirty="0"/>
-          </a:p>
-        </p:txBody>
-      </p:sp>
-      <p:sp>
-        <p:nvSpPr>
-          <p:cNvPr id="3" name="Content Placeholder 2"/>
-          <p:cNvSpPr>
-            <a:spLocks noGrp="1"/>
-          </p:cNvSpPr>
-          <p:nvPr>
-            <p:ph sz="half" idx="1"/>
-          </p:nvPr>
-        </p:nvSpPr>
-        <p:spPr>
-          <a:xfrm>
-            <a:off x="457200" y="1600200"/>
-            <a:ext cx="4038600" cy="4525963"/>
-          </a:xfrm>
-        </p:spPr>
-        <p:txBody>
-          <a:bodyPr/>
-          <a:lstStyle>
-            <a:lvl1pPr>
-              <a:defRPr sz="2800"/>
-            </a:lvl1pPr>
-            <a:lvl2pPr>
-              <a:defRPr sz="2400"/>
-            </a:lvl2pPr>
-            <a:lvl3pPr>
-              <a:defRPr sz="2000"/>
-            </a:lvl3pPr>
-            <a:lvl4pPr>
-              <a:defRPr sz="1800"/>
-            </a:lvl4pPr>
-            <a:lvl5pPr>
-              <a:defRPr sz="1800"/>
-            </a:lvl5pPr>
-            <a:lvl6pPr>
-              <a:defRPr sz="1800"/>
-            </a:lvl6pPr>
-            <a:lvl7pPr>
-              <a:defRPr sz="1800"/>
-            </a:lvl7pPr>
-            <a:lvl8pPr>
-              <a:defRPr sz="1800"/>
-            </a:lvl8pPr>
-            <a:lvl9pPr>
-              <a:defRPr sz="1800"/>
-            </a:lvl9pPr>
-          </a:lstStyle>
-          <a:p>
-            <a:pPr lvl="0"/>
-            <a:r>
-              <a:rPr lang="en-US"/>
-              <a:t>Click to edit Master text styles</a:t>
-            </a:r>
-          </a:p>
-          <a:p>
-            <a:pPr lvl="1"/>
-            <a:r>
-              <a:rPr lang="en-US"/>
-              <a:t>Second level</a:t>
-            </a:r>
-          </a:p>
-          <a:p>
-            <a:pPr lvl="2"/>
-            <a:r>
-              <a:rPr lang="en-US"/>
-              <a:t>Third level</a:t>
-            </a:r>
-          </a:p>
-          <a:p>
-            <a:pPr lvl="3"/>
-            <a:r>
-              <a:rPr lang="en-US"/>
-              <a:t>Fourth level</a:t>
-            </a:r>
-          </a:p>
-          <a:p>
-            <a:pPr lvl="4"/>
-            <a:r>
-              <a:rPr lang="en-US"/>
-              <a:t>Fifth level</a:t>
-            </a:r>
-            <a:endParaRPr lang="ru-RU" dirty="0"/>
-          </a:p>
-        </p:txBody>
-      </p:sp>
-      <p:sp>
-        <p:nvSpPr>
-          <p:cNvPr id="4" name="Content Placeholder 3"/>
-          <p:cNvSpPr>
-            <a:spLocks noGrp="1"/>
-          </p:cNvSpPr>
-          <p:nvPr>
-            <p:ph sz="half" idx="2"/>
-          </p:nvPr>
-        </p:nvSpPr>
-        <p:spPr>
-          <a:xfrm>
-            <a:off x="4648200" y="1600200"/>
-            <a:ext cx="4038600" cy="4525963"/>
-          </a:xfrm>
-        </p:spPr>
-        <p:txBody>
-          <a:bodyPr/>
-          <a:lstStyle>
-            <a:lvl1pPr>
-              <a:defRPr sz="2800"/>
-            </a:lvl1pPr>
-            <a:lvl2pPr>
-              <a:defRPr sz="2400"/>
-            </a:lvl2pPr>
-            <a:lvl3pPr>
-              <a:defRPr sz="2000"/>
-            </a:lvl3pPr>
-            <a:lvl4pPr>
-              <a:defRPr sz="1800"/>
-            </a:lvl4pPr>
-            <a:lvl5pPr>
-              <a:defRPr sz="1800"/>
-            </a:lvl5pPr>
-            <a:lvl6pPr>
-              <a:defRPr sz="1800"/>
-            </a:lvl6pPr>
-            <a:lvl7pPr>
-              <a:defRPr sz="1800"/>
-            </a:lvl7pPr>
-            <a:lvl8pPr>
-              <a:defRPr sz="1800"/>
-            </a:lvl8pPr>
-            <a:lvl9pPr>
-              <a:defRPr sz="1800"/>
-            </a:lvl9pPr>
-          </a:lstStyle>
-          <a:p>
-            <a:pPr lvl="0"/>
-            <a:r>
-              <a:rPr lang="en-US"/>
-              <a:t>Click to edit Master text styles</a:t>
-            </a:r>
-          </a:p>
-          <a:p>
-            <a:pPr lvl="1"/>
-            <a:r>
-              <a:rPr lang="en-US"/>
-              <a:t>Second level</a:t>
-            </a:r>
-          </a:p>
-          <a:p>
-            <a:pPr lvl="2"/>
-            <a:r>
-              <a:rPr lang="en-US"/>
-              <a:t>Third level</a:t>
-            </a:r>
-          </a:p>
-          <a:p>
-            <a:pPr lvl="3"/>
-            <a:r>
-              <a:rPr lang="en-US"/>
-              <a:t>Fourth level</a:t>
-            </a:r>
-          </a:p>
-          <a:p>
-            <a:pPr lvl="4"/>
-            <a:r>
-              <a:rPr lang="en-US"/>
-              <a:t>Fifth level</a:t>
-            </a:r>
-            <a:endParaRPr lang="ru-RU" dirty="0"/>
-          </a:p>
-        </p:txBody>
-      </p:sp>
-    </p:spTree>
-    <p:extLst>
-      <p:ext uri="{BB962C8B-B14F-4D97-AF65-F5344CB8AC3E}">
-        <p14:creationId xmlns:p14="http://schemas.microsoft.com/office/powerpoint/2010/main" val="1026234569"/>
-      </p:ext>
-    </p:extLst>
-  </p:cSld>
-  <p:clrMapOvr>
-    <a:masterClrMapping/>
-  </p:clrMapOvr>
-</p:sldLayout>
-</file>
-
-<file path=ppt/slideLayouts/slideLayout6.xml><?xml version="1.0" encoding="utf-8"?>
-<p:sldLayout xmlns:a="http://schemas.openxmlformats.org/drawingml/2006/main" xmlns:r="http://schemas.openxmlformats.org/officeDocument/2006/relationships" xmlns:p="http://schemas.openxmlformats.org/presentationml/2006/main" type="twoTxTwoObj" preserve="1">
-  <p:cSld name="Comparison">
-    <p:spTree>
-      <p:nvGrpSpPr>
-        <p:cNvPr id="1" name=""/>
-        <p:cNvGrpSpPr/>
-        <p:nvPr/>
-      </p:nvGrpSpPr>
-      <p:grpSpPr>
-        <a:xfrm>
-          <a:off x="0" y="0"/>
-          <a:ext cx="0" cy="0"/>
-          <a:chOff x="0" y="0"/>
-          <a:chExt cx="0" cy="0"/>
-        </a:xfrm>
-      </p:grpSpPr>
-      <p:sp>
-        <p:nvSpPr>
-          <p:cNvPr id="2" name="Title 1"/>
-          <p:cNvSpPr>
-            <a:spLocks noGrp="1"/>
-          </p:cNvSpPr>
-          <p:nvPr>
-            <p:ph type="title"/>
-          </p:nvPr>
-        </p:nvSpPr>
-        <p:spPr/>
-        <p:txBody>
-          <a:bodyPr/>
-          <a:lstStyle>
-            <a:lvl1pPr>
-              <a:defRPr/>
-            </a:lvl1pPr>
-          </a:lstStyle>
-          <a:p>
-            <a:r>
-              <a:rPr lang="en-US"/>
-              <a:t>Click to edit Master title style</a:t>
-            </a:r>
-            <a:endParaRPr lang="ru-RU" dirty="0"/>
-          </a:p>
-        </p:txBody>
-      </p:sp>
-      <p:sp>
-        <p:nvSpPr>
-          <p:cNvPr id="3" name="Text Placeholder 2"/>
-          <p:cNvSpPr>
-            <a:spLocks noGrp="1"/>
-          </p:cNvSpPr>
-          <p:nvPr>
-            <p:ph type="body" idx="1"/>
-          </p:nvPr>
-        </p:nvSpPr>
-        <p:spPr>
-          <a:xfrm>
-            <a:off x="457200" y="1535113"/>
-            <a:ext cx="4040188" cy="639762"/>
-          </a:xfrm>
-        </p:spPr>
-        <p:txBody>
-          <a:bodyPr anchor="b"/>
-          <a:lstStyle>
-            <a:lvl1pPr marL="0" indent="0">
-              <a:buNone/>
-              <a:defRPr sz="2400" b="1"/>
-            </a:lvl1pPr>
-            <a:lvl2pPr marL="457200" indent="0">
-              <a:buNone/>
-              <a:defRPr sz="2000" b="1"/>
-            </a:lvl2pPr>
-            <a:lvl3pPr marL="914400" indent="0">
-              <a:buNone/>
-              <a:defRPr sz="1800" b="1"/>
-            </a:lvl3pPr>
-            <a:lvl4pPr marL="1371600" indent="0">
-              <a:buNone/>
-              <a:defRPr sz="1600" b="1"/>
-            </a:lvl4pPr>
-            <a:lvl5pPr marL="1828800" indent="0">
-              <a:buNone/>
-              <a:defRPr sz="1600" b="1"/>
-            </a:lvl5pPr>
-            <a:lvl6pPr marL="2286000" indent="0">
-              <a:buNone/>
-              <a:defRPr sz="1600" b="1"/>
-            </a:lvl6pPr>
-            <a:lvl7pPr marL="2743200" indent="0">
-              <a:buNone/>
-              <a:defRPr sz="1600" b="1"/>
-            </a:lvl7pPr>
-            <a:lvl8pPr marL="3200400" indent="0">
-              <a:buNone/>
-              <a:defRPr sz="1600" b="1"/>
-            </a:lvl8pPr>
-            <a:lvl9pPr marL="3657600" indent="0">
-              <a:buNone/>
-              <a:defRPr sz="1600" b="1"/>
-            </a:lvl9pPr>
-          </a:lstStyle>
-          <a:p>
-            <a:pPr lvl="0"/>
-            <a:r>
-              <a:rPr lang="en-US"/>
-              <a:t>Click to edit Master text styles</a:t>
-            </a:r>
-          </a:p>
-        </p:txBody>
-      </p:sp>
-      <p:sp>
-        <p:nvSpPr>
-          <p:cNvPr id="4" name="Content Placeholder 3"/>
-          <p:cNvSpPr>
-            <a:spLocks noGrp="1"/>
-          </p:cNvSpPr>
-          <p:nvPr>
-            <p:ph sz="half" idx="2"/>
-          </p:nvPr>
-        </p:nvSpPr>
-        <p:spPr>
-          <a:xfrm>
-            <a:off x="457200" y="2174875"/>
-            <a:ext cx="4040188" cy="3951288"/>
-          </a:xfrm>
-        </p:spPr>
-        <p:txBody>
-          <a:bodyPr/>
-          <a:lstStyle>
-            <a:lvl1pPr>
-              <a:defRPr sz="2400"/>
-            </a:lvl1pPr>
-            <a:lvl2pPr>
-              <a:defRPr sz="2000"/>
-            </a:lvl2pPr>
-            <a:lvl3pPr>
-              <a:defRPr sz="1800"/>
-            </a:lvl3pPr>
-            <a:lvl4pPr>
-              <a:defRPr sz="1600"/>
-            </a:lvl4pPr>
-            <a:lvl5pPr>
-              <a:defRPr sz="1600"/>
-            </a:lvl5pPr>
-            <a:lvl6pPr>
-              <a:defRPr sz="1600"/>
-            </a:lvl6pPr>
-            <a:lvl7pPr>
-              <a:defRPr sz="1600"/>
-            </a:lvl7pPr>
-            <a:lvl8pPr>
-              <a:defRPr sz="1600"/>
-            </a:lvl8pPr>
-            <a:lvl9pPr>
-              <a:defRPr sz="1600"/>
-            </a:lvl9pPr>
-          </a:lstStyle>
-          <a:p>
-            <a:pPr lvl="0"/>
-            <a:r>
-              <a:rPr lang="en-US"/>
-              <a:t>Click to edit Master text styles</a:t>
-            </a:r>
-          </a:p>
-          <a:p>
-            <a:pPr lvl="1"/>
-            <a:r>
-              <a:rPr lang="en-US"/>
-              <a:t>Second level</a:t>
-            </a:r>
-          </a:p>
-          <a:p>
-            <a:pPr lvl="2"/>
-            <a:r>
-              <a:rPr lang="en-US"/>
-              <a:t>Third level</a:t>
-            </a:r>
-          </a:p>
-          <a:p>
-            <a:pPr lvl="3"/>
-            <a:r>
-              <a:rPr lang="en-US"/>
-              <a:t>Fourth level</a:t>
-            </a:r>
-          </a:p>
-          <a:p>
-            <a:pPr lvl="4"/>
-            <a:r>
-              <a:rPr lang="en-US"/>
-              <a:t>Fifth level</a:t>
-            </a:r>
-            <a:endParaRPr lang="ru-RU" dirty="0"/>
-          </a:p>
-        </p:txBody>
-      </p:sp>
-      <p:sp>
-        <p:nvSpPr>
-          <p:cNvPr id="5" name="Text Placeholder 4"/>
-          <p:cNvSpPr>
-            <a:spLocks noGrp="1"/>
-          </p:cNvSpPr>
-          <p:nvPr>
-            <p:ph type="body" sz="quarter" idx="3"/>
-          </p:nvPr>
-        </p:nvSpPr>
-        <p:spPr>
-          <a:xfrm>
-            <a:off x="4645025" y="1535113"/>
-            <a:ext cx="4041775" cy="639762"/>
-          </a:xfrm>
-        </p:spPr>
-        <p:txBody>
-          <a:bodyPr anchor="b"/>
-          <a:lstStyle>
-            <a:lvl1pPr marL="0" indent="0">
-              <a:buNone/>
-              <a:defRPr sz="2400" b="1"/>
-            </a:lvl1pPr>
-            <a:lvl2pPr marL="457200" indent="0">
-              <a:buNone/>
-              <a:defRPr sz="2000" b="1"/>
-            </a:lvl2pPr>
-            <a:lvl3pPr marL="914400" indent="0">
-              <a:buNone/>
-              <a:defRPr sz="1800" b="1"/>
-            </a:lvl3pPr>
-            <a:lvl4pPr marL="1371600" indent="0">
-              <a:buNone/>
-              <a:defRPr sz="1600" b="1"/>
-            </a:lvl4pPr>
-            <a:lvl5pPr marL="1828800" indent="0">
-              <a:buNone/>
-              <a:defRPr sz="1600" b="1"/>
-            </a:lvl5pPr>
-            <a:lvl6pPr marL="2286000" indent="0">
-              <a:buNone/>
-              <a:defRPr sz="1600" b="1"/>
-            </a:lvl6pPr>
-            <a:lvl7pPr marL="2743200" indent="0">
-              <a:buNone/>
-              <a:defRPr sz="1600" b="1"/>
-            </a:lvl7pPr>
-            <a:lvl8pPr marL="3200400" indent="0">
-              <a:buNone/>
-              <a:defRPr sz="1600" b="1"/>
-            </a:lvl8pPr>
-            <a:lvl9pPr marL="3657600" indent="0">
-              <a:buNone/>
-              <a:defRPr sz="1600" b="1"/>
-            </a:lvl9pPr>
-          </a:lstStyle>
-          <a:p>
-            <a:pPr lvl="0"/>
-            <a:r>
-              <a:rPr lang="en-US"/>
-              <a:t>Click to edit Master text styles</a:t>
-            </a:r>
-          </a:p>
-        </p:txBody>
-      </p:sp>
-      <p:sp>
-        <p:nvSpPr>
-          <p:cNvPr id="6" name="Content Placeholder 5"/>
-          <p:cNvSpPr>
-            <a:spLocks noGrp="1"/>
-          </p:cNvSpPr>
-          <p:nvPr>
-            <p:ph sz="quarter" idx="4"/>
-          </p:nvPr>
-        </p:nvSpPr>
-        <p:spPr>
-          <a:xfrm>
-            <a:off x="4645025" y="2174875"/>
-            <a:ext cx="4041775" cy="3951288"/>
-          </a:xfrm>
-        </p:spPr>
-        <p:txBody>
-          <a:bodyPr/>
-          <a:lstStyle>
-            <a:lvl1pPr>
-              <a:defRPr sz="2400"/>
-            </a:lvl1pPr>
-            <a:lvl2pPr>
-              <a:defRPr sz="2000"/>
-            </a:lvl2pPr>
-            <a:lvl3pPr>
-              <a:defRPr sz="1800"/>
-            </a:lvl3pPr>
-            <a:lvl4pPr>
-              <a:defRPr sz="1600"/>
-            </a:lvl4pPr>
-            <a:lvl5pPr>
-              <a:defRPr sz="1600"/>
-            </a:lvl5pPr>
-            <a:lvl6pPr>
-              <a:defRPr sz="1600"/>
-            </a:lvl6pPr>
-            <a:lvl7pPr>
-              <a:defRPr sz="1600"/>
-            </a:lvl7pPr>
-            <a:lvl8pPr>
-              <a:defRPr sz="1600"/>
-            </a:lvl8pPr>
-            <a:lvl9pPr>
-              <a:defRPr sz="1600"/>
-            </a:lvl9pPr>
-          </a:lstStyle>
-          <a:p>
-            <a:pPr lvl="0"/>
-            <a:r>
-              <a:rPr lang="en-US"/>
-              <a:t>Click to edit Master text styles</a:t>
-            </a:r>
-          </a:p>
-          <a:p>
-            <a:pPr lvl="1"/>
-            <a:r>
-              <a:rPr lang="en-US"/>
-              <a:t>Second level</a:t>
-            </a:r>
-          </a:p>
-          <a:p>
-            <a:pPr lvl="2"/>
-            <a:r>
-              <a:rPr lang="en-US"/>
-              <a:t>Third level</a:t>
-            </a:r>
-          </a:p>
-          <a:p>
-            <a:pPr lvl="3"/>
-            <a:r>
-              <a:rPr lang="en-US"/>
-              <a:t>Fourth level</a:t>
-            </a:r>
-          </a:p>
-          <a:p>
-            <a:pPr lvl="4"/>
-            <a:r>
-              <a:rPr lang="en-US"/>
-              <a:t>Fifth level</a:t>
-            </a:r>
-            <a:endParaRPr lang="ru-RU" dirty="0"/>
-          </a:p>
-        </p:txBody>
-      </p:sp>
-    </p:spTree>
-    <p:extLst>
-      <p:ext uri="{BB962C8B-B14F-4D97-AF65-F5344CB8AC3E}">
-        <p14:creationId xmlns:p14="http://schemas.microsoft.com/office/powerpoint/2010/main" val="4044979405"/>
-      </p:ext>
-    </p:extLst>
-  </p:cSld>
-  <p:clrMapOvr>
-    <a:masterClrMapping/>
-  </p:clrMapOvr>
-</p:sldLayout>
-</file>
-
-<file path=ppt/slideLayouts/slideLayout7.xml><?xml version="1.0" encoding="utf-8"?>
-<p:sldLayout xmlns:a="http://schemas.openxmlformats.org/drawingml/2006/main" xmlns:r="http://schemas.openxmlformats.org/officeDocument/2006/relationships" xmlns:p="http://schemas.openxmlformats.org/presentationml/2006/main" type="titleOnly" preserve="1">
-  <p:cSld name="Title Only">
-    <p:spTree>
-      <p:nvGrpSpPr>
-        <p:cNvPr id="1" name=""/>
-        <p:cNvGrpSpPr/>
-        <p:nvPr/>
-      </p:nvGrpSpPr>
-      <p:grpSpPr>
-        <a:xfrm>
-          <a:off x="0" y="0"/>
-          <a:ext cx="0" cy="0"/>
-          <a:chOff x="0" y="0"/>
-          <a:chExt cx="0" cy="0"/>
-        </a:xfrm>
-      </p:grpSpPr>
-      <p:sp>
-        <p:nvSpPr>
-          <p:cNvPr id="2" name="Title 1"/>
-          <p:cNvSpPr>
-            <a:spLocks noGrp="1"/>
-          </p:cNvSpPr>
-          <p:nvPr>
-            <p:ph type="title"/>
-          </p:nvPr>
-        </p:nvSpPr>
-        <p:spPr/>
-        <p:txBody>
-          <a:bodyPr/>
-          <a:lstStyle/>
-          <a:p>
-            <a:r>
-              <a:rPr lang="en-US"/>
-              <a:t>Click to edit Master title style</a:t>
-            </a:r>
-            <a:endParaRPr lang="ru-RU" dirty="0"/>
-          </a:p>
-        </p:txBody>
-      </p:sp>
-    </p:spTree>
-    <p:extLst>
-      <p:ext uri="{BB962C8B-B14F-4D97-AF65-F5344CB8AC3E}">
-        <p14:creationId xmlns:p14="http://schemas.microsoft.com/office/powerpoint/2010/main" val="125202666"/>
-      </p:ext>
-    </p:extLst>
-  </p:cSld>
-  <p:clrMapOvr>
-    <a:masterClrMapping/>
-  </p:clrMapOvr>
-</p:sldLayout>
-</file>
-
-<file path=ppt/slideLayouts/slideLayout8.xml><?xml version="1.0" encoding="utf-8"?>
-<p:sldLayout xmlns:a="http://schemas.openxmlformats.org/drawingml/2006/main" xmlns:r="http://schemas.openxmlformats.org/officeDocument/2006/relationships" xmlns:p="http://schemas.openxmlformats.org/presentationml/2006/main" preserve="1" userDrawn="1">
-  <p:cSld name="Demo">
-    <p:spTree>
-      <p:nvGrpSpPr>
-        <p:cNvPr id="1" name=""/>
-        <p:cNvGrpSpPr/>
-        <p:nvPr/>
-      </p:nvGrpSpPr>
-      <p:grpSpPr>
-        <a:xfrm>
-          <a:off x="0" y="0"/>
-          <a:ext cx="0" cy="0"/>
-          <a:chOff x="0" y="0"/>
-          <a:chExt cx="0" cy="0"/>
-        </a:xfrm>
-      </p:grpSpPr>
-      <p:sp>
-        <p:nvSpPr>
-          <p:cNvPr id="10" name="TextBox 9"/>
-          <p:cNvSpPr txBox="1"/>
-          <p:nvPr userDrawn="1"/>
-        </p:nvSpPr>
-        <p:spPr>
-          <a:xfrm>
-            <a:off x="359532" y="3136613"/>
-            <a:ext cx="8424936" cy="584775"/>
-          </a:xfrm>
-          <a:prstGeom prst="rect">
-            <a:avLst/>
-          </a:prstGeom>
-          <a:noFill/>
-        </p:spPr>
-        <p:txBody>
-          <a:bodyPr wrap="square" rtlCol="0" anchor="ctr">
-            <a:spAutoFit/>
-          </a:bodyPr>
-          <a:lstStyle/>
-          <a:p>
-            <a:pPr algn="ctr"/>
-            <a:r>
-              <a:rPr lang="ru-RU" sz="3200" dirty="0"/>
-              <a:t>Название.</a:t>
-            </a:r>
-            <a:r>
-              <a:rPr lang="ru-RU" sz="3200" baseline="0" dirty="0"/>
-              <a:t> Демонстрация.</a:t>
-            </a:r>
-            <a:endParaRPr lang="ru-RU" sz="3200" dirty="0"/>
-          </a:p>
-        </p:txBody>
-      </p:sp>
-    </p:spTree>
-    <p:extLst>
-      <p:ext uri="{BB962C8B-B14F-4D97-AF65-F5344CB8AC3E}">
-        <p14:creationId xmlns:p14="http://schemas.microsoft.com/office/powerpoint/2010/main" val="3308008441"/>
-      </p:ext>
-    </p:extLst>
-  </p:cSld>
-  <p:clrMapOvr>
-    <a:masterClrMapping/>
-  </p:clrMapOvr>
-</p:sldLayout>
-</file>
-
-<file path=ppt/slideLayouts/slideLayout9.xml><?xml version="1.0" encoding="utf-8"?>
-<p:sldLayout xmlns:a="http://schemas.openxmlformats.org/drawingml/2006/main" xmlns:r="http://schemas.openxmlformats.org/officeDocument/2006/relationships" xmlns:p="http://schemas.openxmlformats.org/presentationml/2006/main" type="blank" preserve="1">
-  <p:cSld name="1_Blank">
-    <p:spTree>
-      <p:nvGrpSpPr>
-        <p:cNvPr id="1" name=""/>
-        <p:cNvGrpSpPr/>
-        <p:nvPr/>
-      </p:nvGrpSpPr>
-      <p:grpSpPr>
-        <a:xfrm>
-          <a:off x="0" y="0"/>
-          <a:ext cx="0" cy="0"/>
-          <a:chOff x="0" y="0"/>
-          <a:chExt cx="0" cy="0"/>
-        </a:xfrm>
-      </p:grpSpPr>
-    </p:spTree>
-    <p:extLst>
-      <p:ext uri="{BB962C8B-B14F-4D97-AF65-F5344CB8AC3E}">
-        <p14:creationId xmlns:p14="http://schemas.microsoft.com/office/powerpoint/2010/main" val="2618453949"/>
-      </p:ext>
-    </p:extLst>
-  </p:cSld>
-  <p:clrMapOvr>
-    <a:masterClrMapping/>
-  </p:clrMapOvr>
-</p:sldLayout>
-</file>
-
 <file path=ppt/slideMasters/slideMaster1.xml><?xml version="1.0" encoding="utf-8"?>
 <p:sldMaster xmlns:a="http://schemas.openxmlformats.org/drawingml/2006/main" xmlns:r="http://schemas.openxmlformats.org/officeDocument/2006/relationships" xmlns:p="http://schemas.openxmlformats.org/presentationml/2006/main">
   <p:cSld>
     <p:bg>
       <p:bgPr>
         <a:blipFill dpi="0" rotWithShape="1">
-          <a:blip r:embed="rId16">
+          <a:blip r:embed="rId13">
             <a:lum/>
           </a:blip>
           <a:srcRect/>
@@ -2914,7 +2461,7 @@
           <a:p>
             <a:fld id="{AC3D3127-B7C4-45E3-9797-C527EC9FDD78}" type="datetimeFigureOut">
               <a:rPr lang="ru-RU" smtClean="0"/>
-              <a:t>14.02.2019</a:t>
+              <a:t>26.02.2019</a:t>
             </a:fld>
             <a:endParaRPr lang="ru-RU"/>
           </a:p>
@@ -3007,20 +2554,17 @@
   </p:cSld>
   <p:clrMap bg1="lt1" tx1="dk1" bg2="lt2" tx2="dk2" accent1="accent1" accent2="accent2" accent3="accent3" accent4="accent4" accent5="accent5" accent6="accent6" hlink="hlink" folHlink="folHlink"/>
   <p:sldLayoutIdLst>
-    <p:sldLayoutId id="2147483649" r:id="rId1"/>
-    <p:sldLayoutId id="2147483661" r:id="rId2"/>
-    <p:sldLayoutId id="2147483650" r:id="rId3"/>
-    <p:sldLayoutId id="2147483651" r:id="rId4"/>
-    <p:sldLayoutId id="2147483652" r:id="rId5"/>
-    <p:sldLayoutId id="2147483653" r:id="rId6"/>
-    <p:sldLayoutId id="2147483654" r:id="rId7"/>
-    <p:sldLayoutId id="2147483655" r:id="rId8"/>
-    <p:sldLayoutId id="2147483660" r:id="rId9"/>
-    <p:sldLayoutId id="2147483656" r:id="rId10"/>
-    <p:sldLayoutId id="2147483657" r:id="rId11"/>
-    <p:sldLayoutId id="2147483658" r:id="rId12"/>
-    <p:sldLayoutId id="2147483659" r:id="rId13"/>
-    <p:sldLayoutId id="2147483662" r:id="rId14"/>
+    <p:sldLayoutId id="2147483650" r:id="rId1"/>
+    <p:sldLayoutId id="2147483651" r:id="rId2"/>
+    <p:sldLayoutId id="2147483652" r:id="rId3"/>
+    <p:sldLayoutId id="2147483653" r:id="rId4"/>
+    <p:sldLayoutId id="2147483654" r:id="rId5"/>
+    <p:sldLayoutId id="2147483660" r:id="rId6"/>
+    <p:sldLayoutId id="2147483656" r:id="rId7"/>
+    <p:sldLayoutId id="2147483657" r:id="rId8"/>
+    <p:sldLayoutId id="2147483658" r:id="rId9"/>
+    <p:sldLayoutId id="2147483659" r:id="rId10"/>
+    <p:sldLayoutId id="2147483662" r:id="rId11"/>
   </p:sldLayoutIdLst>
   <p:txStyles>
     <p:titleStyle>
@@ -5248,7 +4792,9 @@
         </p:nvSpPr>
         <p:spPr/>
         <p:txBody>
-          <a:bodyPr/>
+          <a:bodyPr>
+            <a:normAutofit fontScale="92500"/>
+          </a:bodyPr>
           <a:lstStyle/>
           <a:p>
             <a:r>
@@ -5286,6 +4832,28 @@
             <a:r>
               <a:rPr lang="en-US" dirty="0" smtClean="0"/>
               <a:t>Remote</a:t>
+            </a:r>
+          </a:p>
+          <a:p>
+            <a:r>
+              <a:rPr lang="ru-RU" dirty="0" smtClean="0"/>
+              <a:t>Свой атрибут наследник от </a:t>
+            </a:r>
+            <a:r>
+              <a:rPr lang="en-US" dirty="0" err="1" smtClean="0"/>
+              <a:t>ValidationAttribute</a:t>
+            </a:r>
+            <a:r>
+              <a:rPr lang="en-US" dirty="0" smtClean="0"/>
+              <a:t> </a:t>
+            </a:r>
+            <a:r>
+              <a:rPr lang="ru-RU" dirty="0" smtClean="0"/>
+              <a:t>с переопределенным методом </a:t>
+            </a:r>
+            <a:r>
+              <a:rPr lang="en-US" dirty="0" err="1" smtClean="0"/>
+              <a:t>IsValid</a:t>
             </a:r>
             <a:endParaRPr lang="ru-RU" dirty="0"/>
           </a:p>

--- a/asp-net-mvc.pptx
+++ b/asp-net-mvc.pptx
@@ -5,7 +5,7 @@
     <p:sldMasterId id="2147483648" r:id="rId1"/>
   </p:sldMasterIdLst>
   <p:notesMasterIdLst>
-    <p:notesMasterId r:id="rId12"/>
+    <p:notesMasterId r:id="rId15"/>
   </p:notesMasterIdLst>
   <p:sldIdLst>
     <p:sldId id="257" r:id="rId2"/>
@@ -18,6 +18,9 @@
     <p:sldId id="268" r:id="rId9"/>
     <p:sldId id="267" r:id="rId10"/>
     <p:sldId id="266" r:id="rId11"/>
+    <p:sldId id="271" r:id="rId12"/>
+    <p:sldId id="272" r:id="rId13"/>
+    <p:sldId id="270" r:id="rId14"/>
   </p:sldIdLst>
   <p:sldSz cx="9144000" cy="6858000" type="screen4x3"/>
   <p:notesSz cx="6858000" cy="9144000"/>
@@ -117,8 +120,33 @@
     </a:lvl9pPr>
   </p:defaultTextStyle>
   <p:extLst>
+    <p:ext uri="{521415D9-36F7-43E2-AB2F-B90AF26B5E84}">
+      <p14:sectionLst xmlns:p14="http://schemas.microsoft.com/office/powerpoint/2010/main">
+        <p14:section name="Default Section" id="{F16C36BD-3794-4B9B-986A-9EF11340CAC8}">
+          <p14:sldIdLst>
+            <p14:sldId id="257"/>
+            <p14:sldId id="261"/>
+            <p14:sldId id="262"/>
+            <p14:sldId id="265"/>
+            <p14:sldId id="269"/>
+            <p14:sldId id="264"/>
+            <p14:sldId id="263"/>
+            <p14:sldId id="268"/>
+            <p14:sldId id="267"/>
+          </p14:sldIdLst>
+        </p14:section>
+        <p14:section name="Жизненный цикл" id="{EE095967-ABB4-4DE4-8997-497C455768B4}">
+          <p14:sldIdLst>
+            <p14:sldId id="266"/>
+            <p14:sldId id="271"/>
+            <p14:sldId id="272"/>
+            <p14:sldId id="270"/>
+          </p14:sldIdLst>
+        </p14:section>
+      </p14:sectionLst>
+    </p:ext>
     <p:ext uri="{EFAFB233-063F-42B5-8137-9DF3F51BA10A}">
-      <p15:sldGuideLst xmlns="" xmlns:p15="http://schemas.microsoft.com/office/powerpoint/2012/main">
+      <p15:sldGuideLst xmlns:p15="http://schemas.microsoft.com/office/powerpoint/2012/main" xmlns="">
         <p15:guide id="1" orient="horz" pos="2160">
           <p15:clr>
             <a:srgbClr val="A4A3A4"/>
@@ -217,7 +245,7 @@
           <a:p>
             <a:fld id="{B24A7054-7FFB-49F4-A126-5DF6E687FF53}" type="datetimeFigureOut">
               <a:rPr lang="ru-RU" smtClean="0"/>
-              <a:t>26.02.2019</a:t>
+              <a:t>26.03.2019</a:t>
             </a:fld>
             <a:endParaRPr lang="ru-RU"/>
           </a:p>
@@ -886,7 +914,7 @@
           <a:p>
             <a:fld id="{8E6E6A2A-E9D3-4A0D-B04A-ABDD367A1E08}" type="datetimeFigureOut">
               <a:rPr lang="ru-RU" smtClean="0"/>
-              <a:t>26.02.2019</a:t>
+              <a:t>26.03.2019</a:t>
             </a:fld>
             <a:endParaRPr lang="ru-RU"/>
           </a:p>
@@ -2461,7 +2489,7 @@
           <a:p>
             <a:fld id="{AC3D3127-B7C4-45E3-9797-C527EC9FDD78}" type="datetimeFigureOut">
               <a:rPr lang="ru-RU" smtClean="0"/>
-              <a:t>26.02.2019</a:t>
+              <a:t>26.03.2019</a:t>
             </a:fld>
             <a:endParaRPr lang="ru-RU"/>
           </a:p>
@@ -2937,7 +2965,7 @@
           <p:cNvPr id="8" name="TextBox 7">
             <a:extLst>
               <a:ext uri="{FF2B5EF4-FFF2-40B4-BE49-F238E27FC236}">
-                <a16:creationId xmlns="" xmlns:a16="http://schemas.microsoft.com/office/drawing/2014/main" id="{BC23FA65-1963-9C48-AEBB-8E324B2BBC79}"/>
+                <a16:creationId xmlns:a16="http://schemas.microsoft.com/office/drawing/2014/main" xmlns="" id="{BC23FA65-1963-9C48-AEBB-8E324B2BBC79}"/>
               </a:ext>
             </a:extLst>
           </p:cNvPr>
@@ -3067,7 +3095,7 @@
 </file>
 
 <file path=ppt/slides/slide10.xml><?xml version="1.0" encoding="utf-8"?>
-<p:sld xmlns:a="http://schemas.openxmlformats.org/drawingml/2006/main" xmlns:r="http://schemas.openxmlformats.org/officeDocument/2006/relationships" xmlns:p="http://schemas.openxmlformats.org/presentationml/2006/main" show="0">
+<p:sld xmlns:a="http://schemas.openxmlformats.org/drawingml/2006/main" xmlns:r="http://schemas.openxmlformats.org/officeDocument/2006/relationships" xmlns:p="http://schemas.openxmlformats.org/presentationml/2006/main">
   <p:cSld>
     <p:spTree>
       <p:nvGrpSpPr>
@@ -3100,31 +3128,65 @@
           <a:p>
             <a:r>
               <a:rPr lang="ru-RU" dirty="0" smtClean="0"/>
-              <a:t>Жизненный цикл страницы</a:t>
+              <a:t>Жизненный </a:t>
+            </a:r>
+            <a:r>
+              <a:rPr lang="ru-RU" dirty="0" smtClean="0"/>
+              <a:t>цикл (1/</a:t>
+            </a:r>
+            <a:r>
+              <a:rPr lang="en-US" dirty="0" smtClean="0"/>
+              <a:t>3</a:t>
+            </a:r>
+            <a:r>
+              <a:rPr lang="ru-RU" dirty="0" smtClean="0"/>
+              <a:t>)</a:t>
             </a:r>
             <a:endParaRPr lang="ru-RU" dirty="0"/>
           </a:p>
         </p:txBody>
       </p:sp>
-      <p:sp>
-        <p:nvSpPr>
-          <p:cNvPr id="3" name="Content Placeholder 2"/>
-          <p:cNvSpPr>
-            <a:spLocks noGrp="1"/>
-          </p:cNvSpPr>
-          <p:nvPr>
-            <p:ph idx="1"/>
-          </p:nvPr>
-        </p:nvSpPr>
-        <p:spPr/>
-        <p:txBody>
-          <a:bodyPr/>
-          <a:lstStyle/>
-          <a:p>
-            <a:endParaRPr lang="ru-RU"/>
-          </a:p>
-        </p:txBody>
-      </p:sp>
+      <p:pic>
+        <p:nvPicPr>
+          <p:cNvPr id="1026" name="Picture 2" descr="Route Handler"/>
+          <p:cNvPicPr>
+            <a:picLocks noChangeAspect="1" noChangeArrowheads="1"/>
+          </p:cNvPicPr>
+          <p:nvPr/>
+        </p:nvPicPr>
+        <p:blipFill>
+          <a:blip r:embed="rId2">
+            <a:extLst>
+              <a:ext uri="{28A0092B-C50C-407E-A947-70E740481C1C}">
+                <a14:useLocalDpi xmlns:a14="http://schemas.microsoft.com/office/drawing/2010/main" val="0"/>
+              </a:ext>
+            </a:extLst>
+          </a:blip>
+          <a:srcRect/>
+          <a:stretch>
+            <a:fillRect/>
+          </a:stretch>
+        </p:blipFill>
+        <p:spPr bwMode="auto">
+          <a:xfrm>
+            <a:off x="285750" y="1771625"/>
+            <a:ext cx="8572500" cy="3457575"/>
+          </a:xfrm>
+          <a:prstGeom prst="rect">
+            <a:avLst/>
+          </a:prstGeom>
+          <a:noFill/>
+          <a:extLst>
+            <a:ext uri="{909E8E84-426E-40DD-AFC4-6F175D3DCCD1}">
+              <a14:hiddenFill xmlns:a14="http://schemas.microsoft.com/office/drawing/2010/main">
+                <a:solidFill>
+                  <a:srgbClr val="FFFFFF"/>
+                </a:solidFill>
+              </a14:hiddenFill>
+            </a:ext>
+          </a:extLst>
+        </p:spPr>
+      </p:pic>
     </p:spTree>
     <p:extLst>
       <p:ext uri="{BB962C8B-B14F-4D97-AF65-F5344CB8AC3E}">
@@ -3135,14 +3197,532 @@
   <p:clrMapOvr>
     <a:masterClrMapping/>
   </p:clrMapOvr>
-  <mc:AlternateContent xmlns:mc="http://schemas.openxmlformats.org/markup-compatibility/2006" xmlns:p14="http://schemas.microsoft.com/office/powerpoint/2010/main">
-    <mc:Choice Requires="p14">
+  <mc:AlternateContent xmlns:mc="http://schemas.openxmlformats.org/markup-compatibility/2006">
+    <mc:Choice xmlns:p14="http://schemas.microsoft.com/office/powerpoint/2010/main" Requires="p14">
       <p:transition spd="slow" p14:dur="2000"/>
     </mc:Choice>
-    <mc:Fallback xmlns="">
+    <mc:Fallback>
       <p:transition spd="slow"/>
     </mc:Fallback>
   </mc:AlternateContent>
+</p:sld>
+</file>
+
+<file path=ppt/slides/slide11.xml><?xml version="1.0" encoding="utf-8"?>
+<p:sld xmlns:a="http://schemas.openxmlformats.org/drawingml/2006/main" xmlns:r="http://schemas.openxmlformats.org/officeDocument/2006/relationships" xmlns:p="http://schemas.openxmlformats.org/presentationml/2006/main">
+  <p:cSld>
+    <p:spTree>
+      <p:nvGrpSpPr>
+        <p:cNvPr id="1" name=""/>
+        <p:cNvGrpSpPr/>
+        <p:nvPr/>
+      </p:nvGrpSpPr>
+      <p:grpSpPr>
+        <a:xfrm>
+          <a:off x="0" y="0"/>
+          <a:ext cx="0" cy="0"/>
+          <a:chOff x="0" y="0"/>
+          <a:chExt cx="0" cy="0"/>
+        </a:xfrm>
+      </p:grpSpPr>
+      <p:sp>
+        <p:nvSpPr>
+          <p:cNvPr id="2" name="Title 1"/>
+          <p:cNvSpPr>
+            <a:spLocks noGrp="1"/>
+          </p:cNvSpPr>
+          <p:nvPr>
+            <p:ph type="title"/>
+          </p:nvPr>
+        </p:nvSpPr>
+        <p:spPr/>
+        <p:txBody>
+          <a:bodyPr/>
+          <a:lstStyle/>
+          <a:p>
+            <a:r>
+              <a:rPr lang="ru-RU" dirty="0"/>
+              <a:t>Жизненный цикл </a:t>
+            </a:r>
+            <a:r>
+              <a:rPr lang="ru-RU" dirty="0" smtClean="0"/>
+              <a:t>(</a:t>
+            </a:r>
+            <a:r>
+              <a:rPr lang="en-US" dirty="0" smtClean="0"/>
+              <a:t>2</a:t>
+            </a:r>
+            <a:r>
+              <a:rPr lang="ru-RU" dirty="0" smtClean="0"/>
+              <a:t>/</a:t>
+            </a:r>
+            <a:r>
+              <a:rPr lang="en-US" dirty="0"/>
+              <a:t>3</a:t>
+            </a:r>
+            <a:r>
+              <a:rPr lang="ru-RU" dirty="0"/>
+              <a:t>)</a:t>
+            </a:r>
+          </a:p>
+        </p:txBody>
+      </p:sp>
+      <p:sp>
+        <p:nvSpPr>
+          <p:cNvPr id="3" name="Content Placeholder 2"/>
+          <p:cNvSpPr>
+            <a:spLocks noGrp="1"/>
+          </p:cNvSpPr>
+          <p:nvPr>
+            <p:ph idx="1"/>
+          </p:nvPr>
+        </p:nvSpPr>
+        <p:spPr/>
+        <p:txBody>
+          <a:bodyPr>
+            <a:normAutofit fontScale="77500" lnSpcReduction="20000"/>
+          </a:bodyPr>
+          <a:lstStyle/>
+          <a:p>
+            <a:pPr marL="0" indent="0">
+              <a:buNone/>
+            </a:pPr>
+            <a:r>
+              <a:rPr lang="ru-RU" dirty="0" smtClean="0"/>
+              <a:t>Порядок событий </a:t>
+            </a:r>
+            <a:r>
+              <a:rPr lang="en-US" dirty="0" err="1" smtClean="0"/>
+              <a:t>HttpApplication</a:t>
+            </a:r>
+            <a:endParaRPr lang="en-US" dirty="0" smtClean="0"/>
+          </a:p>
+          <a:p>
+            <a:r>
+              <a:rPr lang="en-US" dirty="0" err="1"/>
+              <a:t>BeginRequest</a:t>
+            </a:r>
+            <a:endParaRPr lang="en-US" dirty="0"/>
+          </a:p>
+          <a:p>
+            <a:r>
+              <a:rPr lang="en-US" dirty="0" err="1"/>
+              <a:t>AuthenticateRequest</a:t>
+            </a:r>
+            <a:endParaRPr lang="en-US" dirty="0"/>
+          </a:p>
+          <a:p>
+            <a:r>
+              <a:rPr lang="en-US" dirty="0" err="1"/>
+              <a:t>AuthorizeRequest</a:t>
+            </a:r>
+            <a:endParaRPr lang="en-US" dirty="0"/>
+          </a:p>
+          <a:p>
+            <a:r>
+              <a:rPr lang="en-US" dirty="0" err="1"/>
+              <a:t>ResolveRequestCache</a:t>
+            </a:r>
+            <a:endParaRPr lang="en-US" dirty="0"/>
+          </a:p>
+          <a:p>
+            <a:r>
+              <a:rPr lang="en-US" dirty="0" err="1"/>
+              <a:t>AcquireRequestState</a:t>
+            </a:r>
+            <a:endParaRPr lang="en-US" dirty="0"/>
+          </a:p>
+          <a:p>
+            <a:r>
+              <a:rPr lang="en-US" dirty="0" err="1"/>
+              <a:t>PreRequestHandlerExecute</a:t>
+            </a:r>
+            <a:endParaRPr lang="en-US" dirty="0"/>
+          </a:p>
+          <a:p>
+            <a:r>
+              <a:rPr lang="en-US" dirty="0" err="1"/>
+              <a:t>PostRequestHandlerExecute</a:t>
+            </a:r>
+            <a:endParaRPr lang="en-US" dirty="0"/>
+          </a:p>
+          <a:p>
+            <a:r>
+              <a:rPr lang="en-US" dirty="0" err="1"/>
+              <a:t>ReleaseRequestState</a:t>
+            </a:r>
+            <a:endParaRPr lang="en-US" dirty="0"/>
+          </a:p>
+          <a:p>
+            <a:r>
+              <a:rPr lang="en-US" dirty="0" err="1"/>
+              <a:t>UpdateRequestCache</a:t>
+            </a:r>
+            <a:endParaRPr lang="en-US" dirty="0"/>
+          </a:p>
+          <a:p>
+            <a:r>
+              <a:rPr lang="en-US" dirty="0" err="1" smtClean="0"/>
+              <a:t>EndRequest</a:t>
+            </a:r>
+            <a:endParaRPr lang="ru-RU" dirty="0"/>
+          </a:p>
+        </p:txBody>
+      </p:sp>
+    </p:spTree>
+    <p:extLst>
+      <p:ext uri="{BB962C8B-B14F-4D97-AF65-F5344CB8AC3E}">
+        <p14:creationId xmlns:p14="http://schemas.microsoft.com/office/powerpoint/2010/main" val="2441526693"/>
+      </p:ext>
+    </p:extLst>
+  </p:cSld>
+  <p:clrMapOvr>
+    <a:masterClrMapping/>
+  </p:clrMapOvr>
+</p:sld>
+</file>
+
+<file path=ppt/slides/slide12.xml><?xml version="1.0" encoding="utf-8"?>
+<p:sld xmlns:a="http://schemas.openxmlformats.org/drawingml/2006/main" xmlns:r="http://schemas.openxmlformats.org/officeDocument/2006/relationships" xmlns:p="http://schemas.openxmlformats.org/presentationml/2006/main">
+  <p:cSld>
+    <p:spTree>
+      <p:nvGrpSpPr>
+        <p:cNvPr id="1" name=""/>
+        <p:cNvGrpSpPr/>
+        <p:nvPr/>
+      </p:nvGrpSpPr>
+      <p:grpSpPr>
+        <a:xfrm>
+          <a:off x="0" y="0"/>
+          <a:ext cx="0" cy="0"/>
+          <a:chOff x="0" y="0"/>
+          <a:chExt cx="0" cy="0"/>
+        </a:xfrm>
+      </p:grpSpPr>
+      <p:sp>
+        <p:nvSpPr>
+          <p:cNvPr id="4" name="Title 3"/>
+          <p:cNvSpPr>
+            <a:spLocks noGrp="1"/>
+          </p:cNvSpPr>
+          <p:nvPr>
+            <p:ph type="title"/>
+          </p:nvPr>
+        </p:nvSpPr>
+        <p:spPr/>
+        <p:txBody>
+          <a:bodyPr>
+            <a:normAutofit fontScale="90000"/>
+          </a:bodyPr>
+          <a:lstStyle/>
+          <a:p>
+            <a:r>
+              <a:rPr lang="ru-RU" dirty="0" smtClean="0"/>
+              <a:t>Модули и обработчики</a:t>
+            </a:r>
+            <a:br>
+              <a:rPr lang="ru-RU" dirty="0" smtClean="0"/>
+            </a:br>
+            <a:r>
+              <a:rPr lang="ru-RU" dirty="0" smtClean="0"/>
+              <a:t>(</a:t>
+            </a:r>
+            <a:r>
+              <a:rPr lang="en-US" dirty="0" smtClean="0"/>
+              <a:t>modules &amp; handlers</a:t>
+            </a:r>
+            <a:r>
+              <a:rPr lang="ru-RU" dirty="0" smtClean="0"/>
+              <a:t>)</a:t>
+            </a:r>
+            <a:endParaRPr lang="ru-RU" dirty="0"/>
+          </a:p>
+        </p:txBody>
+      </p:sp>
+      <p:sp>
+        <p:nvSpPr>
+          <p:cNvPr id="5" name="Content Placeholder 4"/>
+          <p:cNvSpPr>
+            <a:spLocks noGrp="1"/>
+          </p:cNvSpPr>
+          <p:nvPr>
+            <p:ph idx="1"/>
+          </p:nvPr>
+        </p:nvSpPr>
+        <p:spPr/>
+        <p:txBody>
+          <a:bodyPr/>
+          <a:lstStyle/>
+          <a:p>
+            <a:r>
+              <a:rPr lang="ru-RU" dirty="0" smtClean="0"/>
+              <a:t>Модуль участвует в обработке каждого запроса изменяя его или добавляя что-либо к нему. Например модули аутентификации или сжатия ответа.</a:t>
+            </a:r>
+          </a:p>
+          <a:p>
+            <a:r>
+              <a:rPr lang="ru-RU" dirty="0" smtClean="0"/>
+              <a:t>Обработчик отвечает за обработку запроса и генерацию ответа для определенных типов файлов</a:t>
+            </a:r>
+            <a:r>
+              <a:rPr lang="en-US" dirty="0" smtClean="0"/>
+              <a:t>.</a:t>
+            </a:r>
+            <a:endParaRPr lang="ru-RU" dirty="0"/>
+          </a:p>
+        </p:txBody>
+      </p:sp>
+    </p:spTree>
+    <p:extLst>
+      <p:ext uri="{BB962C8B-B14F-4D97-AF65-F5344CB8AC3E}">
+        <p14:creationId xmlns:p14="http://schemas.microsoft.com/office/powerpoint/2010/main" val="2816129003"/>
+      </p:ext>
+    </p:extLst>
+  </p:cSld>
+  <p:clrMapOvr>
+    <a:masterClrMapping/>
+  </p:clrMapOvr>
+</p:sld>
+</file>
+
+<file path=ppt/slides/slide13.xml><?xml version="1.0" encoding="utf-8"?>
+<p:sld xmlns:a="http://schemas.openxmlformats.org/drawingml/2006/main" xmlns:r="http://schemas.openxmlformats.org/officeDocument/2006/relationships" xmlns:p="http://schemas.openxmlformats.org/presentationml/2006/main">
+  <p:cSld>
+    <p:spTree>
+      <p:nvGrpSpPr>
+        <p:cNvPr id="1" name=""/>
+        <p:cNvGrpSpPr/>
+        <p:nvPr/>
+      </p:nvGrpSpPr>
+      <p:grpSpPr>
+        <a:xfrm>
+          <a:off x="0" y="0"/>
+          <a:ext cx="0" cy="0"/>
+          <a:chOff x="0" y="0"/>
+          <a:chExt cx="0" cy="0"/>
+        </a:xfrm>
+      </p:grpSpPr>
+      <p:sp>
+        <p:nvSpPr>
+          <p:cNvPr id="2" name="Title 1"/>
+          <p:cNvSpPr>
+            <a:spLocks noGrp="1"/>
+          </p:cNvSpPr>
+          <p:nvPr>
+            <p:ph type="title"/>
+          </p:nvPr>
+        </p:nvSpPr>
+        <p:spPr/>
+        <p:txBody>
+          <a:bodyPr/>
+          <a:lstStyle/>
+          <a:p>
+            <a:r>
+              <a:rPr lang="ru-RU" dirty="0" smtClean="0"/>
+              <a:t>Жизненный цикл (</a:t>
+            </a:r>
+            <a:r>
+              <a:rPr lang="en-US" dirty="0" smtClean="0"/>
+              <a:t>3</a:t>
+            </a:r>
+            <a:r>
+              <a:rPr lang="ru-RU" dirty="0" smtClean="0"/>
+              <a:t>/</a:t>
+            </a:r>
+            <a:r>
+              <a:rPr lang="en-US" dirty="0" smtClean="0"/>
+              <a:t>3</a:t>
+            </a:r>
+            <a:r>
+              <a:rPr lang="ru-RU" dirty="0" smtClean="0"/>
+              <a:t>)</a:t>
+            </a:r>
+            <a:endParaRPr lang="ru-RU" dirty="0"/>
+          </a:p>
+        </p:txBody>
+      </p:sp>
+      <p:sp>
+        <p:nvSpPr>
+          <p:cNvPr id="3" name="Content Placeholder 2"/>
+          <p:cNvSpPr>
+            <a:spLocks noGrp="1"/>
+          </p:cNvSpPr>
+          <p:nvPr>
+            <p:ph idx="1"/>
+          </p:nvPr>
+        </p:nvSpPr>
+        <p:spPr/>
+        <p:txBody>
+          <a:bodyPr/>
+          <a:lstStyle/>
+          <a:p>
+            <a:r>
+              <a:rPr lang="en-US" dirty="0" smtClean="0"/>
+              <a:t>interface </a:t>
+            </a:r>
+            <a:r>
+              <a:rPr lang="en-US" dirty="0" err="1" smtClean="0"/>
+              <a:t>IHttpHandler</a:t>
+            </a:r>
+            <a:endParaRPr lang="en-US" dirty="0" smtClean="0"/>
+          </a:p>
+          <a:p>
+            <a:pPr lvl="1"/>
+            <a:r>
+              <a:rPr lang="en-US" sz="2400" dirty="0" smtClean="0"/>
+              <a:t>void </a:t>
+            </a:r>
+            <a:r>
+              <a:rPr lang="en-US" sz="2400" dirty="0" err="1"/>
+              <a:t>ProcessRequest</a:t>
+            </a:r>
+            <a:r>
+              <a:rPr lang="en-US" sz="2400" dirty="0"/>
+              <a:t> (</a:t>
+            </a:r>
+            <a:r>
+              <a:rPr lang="en-US" sz="2400" dirty="0" err="1"/>
+              <a:t>System.Web.HttpContext</a:t>
+            </a:r>
+            <a:r>
+              <a:rPr lang="en-US" sz="2400" dirty="0"/>
+              <a:t> context</a:t>
+            </a:r>
+            <a:r>
+              <a:rPr lang="en-US" sz="2400" dirty="0" smtClean="0"/>
+              <a:t>)</a:t>
+            </a:r>
+            <a:endParaRPr lang="ru-RU" sz="2400" dirty="0" smtClean="0"/>
+          </a:p>
+          <a:p>
+            <a:r>
+              <a:rPr lang="en-US" dirty="0"/>
+              <a:t>interface </a:t>
+            </a:r>
+            <a:r>
+              <a:rPr lang="en-US" dirty="0" err="1" smtClean="0"/>
+              <a:t>IHttpAsyncHandler</a:t>
+            </a:r>
+            <a:r>
+              <a:rPr lang="en-US" dirty="0" smtClean="0"/>
+              <a:t> : </a:t>
+            </a:r>
+            <a:r>
+              <a:rPr lang="en-US" dirty="0" err="1" smtClean="0"/>
+              <a:t>IHttpHandler</a:t>
+            </a:r>
+            <a:endParaRPr lang="en-US" dirty="0" smtClean="0"/>
+          </a:p>
+          <a:p>
+            <a:pPr lvl="1"/>
+            <a:r>
+              <a:rPr lang="en-US" sz="2400" dirty="0" err="1" smtClean="0"/>
+              <a:t>IAsyncResult</a:t>
+            </a:r>
+            <a:r>
+              <a:rPr lang="en-US" sz="2400" dirty="0" smtClean="0"/>
+              <a:t> </a:t>
+            </a:r>
+            <a:r>
+              <a:rPr lang="en-US" sz="2400" dirty="0" err="1"/>
+              <a:t>BeginProcessRequest</a:t>
+            </a:r>
+            <a:r>
+              <a:rPr lang="en-US" sz="2400" dirty="0"/>
+              <a:t> </a:t>
+            </a:r>
+            <a:r>
+              <a:rPr lang="en-US" sz="2400" dirty="0" smtClean="0"/>
+              <a:t>(</a:t>
+            </a:r>
+            <a:r>
+              <a:rPr lang="en-US" sz="2400" dirty="0" err="1" smtClean="0"/>
+              <a:t>HttpContext</a:t>
+            </a:r>
+            <a:r>
+              <a:rPr lang="en-US" sz="2400" dirty="0" smtClean="0"/>
+              <a:t> </a:t>
+            </a:r>
+            <a:r>
+              <a:rPr lang="en-US" sz="2400" dirty="0"/>
+              <a:t>context, </a:t>
+            </a:r>
+            <a:r>
+              <a:rPr lang="en-US" sz="2400" dirty="0" err="1"/>
+              <a:t>AsyncCallback</a:t>
+            </a:r>
+            <a:r>
+              <a:rPr lang="en-US" sz="2400" dirty="0"/>
+              <a:t> </a:t>
+            </a:r>
+            <a:r>
+              <a:rPr lang="en-US" sz="2400" dirty="0" err="1"/>
+              <a:t>cb</a:t>
+            </a:r>
+            <a:r>
+              <a:rPr lang="en-US" sz="2400" dirty="0"/>
+              <a:t>, object </a:t>
+            </a:r>
+            <a:r>
+              <a:rPr lang="en-US" sz="2400" dirty="0" err="1"/>
+              <a:t>extraData</a:t>
+            </a:r>
+            <a:r>
+              <a:rPr lang="en-US" sz="2400" dirty="0" smtClean="0"/>
+              <a:t>)</a:t>
+            </a:r>
+          </a:p>
+          <a:p>
+            <a:pPr lvl="1"/>
+            <a:r>
+              <a:rPr lang="en-US" sz="2400" dirty="0" smtClean="0"/>
+              <a:t>void </a:t>
+            </a:r>
+            <a:r>
+              <a:rPr lang="en-US" sz="2400" dirty="0" err="1"/>
+              <a:t>EndProcessRequest</a:t>
+            </a:r>
+            <a:r>
+              <a:rPr lang="en-US" sz="2400" dirty="0"/>
+              <a:t> (</a:t>
+            </a:r>
+            <a:r>
+              <a:rPr lang="en-US" sz="2400" dirty="0" err="1"/>
+              <a:t>IAsyncResult</a:t>
+            </a:r>
+            <a:r>
+              <a:rPr lang="en-US" sz="2400" dirty="0"/>
+              <a:t> result</a:t>
+            </a:r>
+            <a:r>
+              <a:rPr lang="en-US" sz="2400" dirty="0" smtClean="0"/>
+              <a:t>)</a:t>
+            </a:r>
+          </a:p>
+          <a:p>
+            <a:pPr marL="0" indent="0">
+              <a:buNone/>
+            </a:pPr>
+            <a:endParaRPr lang="en-US" dirty="0" smtClean="0"/>
+          </a:p>
+          <a:p>
+            <a:pPr marL="0" indent="0">
+              <a:buNone/>
+            </a:pPr>
+            <a:endParaRPr lang="ru-RU" dirty="0"/>
+          </a:p>
+        </p:txBody>
+      </p:sp>
+    </p:spTree>
+    <p:extLst>
+      <p:ext uri="{BB962C8B-B14F-4D97-AF65-F5344CB8AC3E}">
+        <p14:creationId xmlns:p14="http://schemas.microsoft.com/office/powerpoint/2010/main" val="1017174394"/>
+      </p:ext>
+    </p:extLst>
+  </p:cSld>
+  <p:clrMapOvr>
+    <a:masterClrMapping/>
+  </p:clrMapOvr>
 </p:sld>
 </file>
 
